--- a/docs/TrailRadar_Technical_Architecture.pptx
+++ b/docs/TrailRadar_Technical_Architecture.pptx
@@ -20,9 +20,14 @@
     <p:sldId id="268" r:id="rId14"/>
     <p:sldId id="269" r:id="rId15"/>
     <p:sldId id="270" r:id="rId16"/>
+    <p:sldId id="271" r:id="rId17"/>
+    <p:sldId id="272" r:id="rId18"/>
+    <p:sldId id="273" r:id="rId19"/>
+    <p:sldId id="274" r:id="rId20"/>
+    <p:sldId id="275" r:id="rId21"/>
   </p:sldIdLst>
   <p:notesMasterIdLst>
-    <p:notesMasterId r:id="rId17"/>
+    <p:notesMasterId r:id="rId22"/>
   </p:notesMasterIdLst>
   <p:sldSz cx="9144000" cy="5143500"/>
   <p:notesSz cx="5143500" cy="9144000"/>
@@ -1086,6 +1091,358 @@
 </p:notes>
 </file>
 
+<file path=ppt/notesSlides/notesSlide16.xml><?xml version="1.0" encoding="utf-8"?>
+<p:notes xmlns:a="http://schemas.openxmlformats.org/drawingml/2006/main" xmlns:r="http://schemas.openxmlformats.org/officeDocument/2006/relationships" xmlns:p="http://schemas.openxmlformats.org/presentationml/2006/main">
+  <p:cSld>
+    <p:spTree>
+      <p:nvGrpSpPr>
+        <p:cNvPr id="1" name=""/>
+        <p:cNvGrpSpPr/>
+        <p:nvPr/>
+      </p:nvGrpSpPr>
+      <p:grpSpPr>
+        <a:xfrm>
+          <a:off x="0" y="0"/>
+          <a:ext cx="0" cy="0"/>
+          <a:chOff x="0" y="0"/>
+          <a:chExt cx="0" cy="0"/>
+        </a:xfrm>
+      </p:grpSpPr>
+      <p:sp>
+        <p:nvSpPr>
+          <p:cNvPr id="2" name="Slide Image Placeholder 1"/>
+          <p:cNvSpPr>
+            <a:spLocks noGrp="1" noRot="1" noChangeAspect="1"/>
+          </p:cNvSpPr>
+          <p:nvPr>
+            <p:ph type="sldImg"/>
+          </p:nvPr>
+        </p:nvSpPr>
+        <p:spPr/>
+      </p:sp>
+      <p:sp>
+        <p:nvSpPr>
+          <p:cNvPr id="3" name="Notes Placeholder 2"/>
+          <p:cNvSpPr>
+            <a:spLocks noGrp="1"/>
+          </p:cNvSpPr>
+          <p:nvPr>
+            <p:ph type="body" idx="1"/>
+          </p:nvPr>
+        </p:nvSpPr>
+        <p:spPr/>
+        <p:txBody>
+          <a:bodyPr/>
+          <a:lstStyle/>
+          <a:p>
+            <a:r>
+              <a:rPr lang="en-US" dirty="0"/>
+              <a:t/>
+            </a:r>
+            <a:endParaRPr lang="en-US" dirty="0"/>
+          </a:p>
+        </p:txBody>
+      </p:sp>
+      <p:sp>
+        <p:nvSpPr>
+          <p:cNvPr id="4" name="Slide Number Placeholder 3"/>
+          <p:cNvSpPr>
+            <a:spLocks noGrp="1"/>
+          </p:cNvSpPr>
+          <p:nvPr>
+            <p:ph type="sldNum" sz="quarter" idx="10"/>
+          </p:nvPr>
+        </p:nvSpPr>
+        <p:spPr/>
+        <p:txBody>
+          <a:bodyPr/>
+          <a:lstStyle/>
+          <a:p>
+            <a:fld id="{F7021451-1387-4CA6-816F-3879F97B5CBC}" type="slidenum">
+              <a:rPr lang="en-US"/>
+              <a:t>16</a:t>
+            </a:fld>
+            <a:endParaRPr lang="en-US"/>
+          </a:p>
+        </p:txBody>
+      </p:sp>
+    </p:spTree>
+    <p:extLst>
+      <p:ext uri="{BB962C8B-B14F-4D97-AF65-F5344CB8AC3E}">
+        <p14:creationId xmlns:p14="http://schemas.microsoft.com/office/powerpoint/2010/main" val="1024086991"/>
+      </p:ext>
+    </p:extLst>
+  </p:cSld>
+  <p:clrMapOvr>
+    <a:masterClrMapping/>
+  </p:clrMapOvr>
+</p:notes>
+</file>
+
+<file path=ppt/notesSlides/notesSlide17.xml><?xml version="1.0" encoding="utf-8"?>
+<p:notes xmlns:a="http://schemas.openxmlformats.org/drawingml/2006/main" xmlns:r="http://schemas.openxmlformats.org/officeDocument/2006/relationships" xmlns:p="http://schemas.openxmlformats.org/presentationml/2006/main">
+  <p:cSld>
+    <p:spTree>
+      <p:nvGrpSpPr>
+        <p:cNvPr id="1" name=""/>
+        <p:cNvGrpSpPr/>
+        <p:nvPr/>
+      </p:nvGrpSpPr>
+      <p:grpSpPr>
+        <a:xfrm>
+          <a:off x="0" y="0"/>
+          <a:ext cx="0" cy="0"/>
+          <a:chOff x="0" y="0"/>
+          <a:chExt cx="0" cy="0"/>
+        </a:xfrm>
+      </p:grpSpPr>
+      <p:sp>
+        <p:nvSpPr>
+          <p:cNvPr id="2" name="Slide Image Placeholder 1"/>
+          <p:cNvSpPr>
+            <a:spLocks noGrp="1" noRot="1" noChangeAspect="1"/>
+          </p:cNvSpPr>
+          <p:nvPr>
+            <p:ph type="sldImg"/>
+          </p:nvPr>
+        </p:nvSpPr>
+        <p:spPr/>
+      </p:sp>
+      <p:sp>
+        <p:nvSpPr>
+          <p:cNvPr id="3" name="Notes Placeholder 2"/>
+          <p:cNvSpPr>
+            <a:spLocks noGrp="1"/>
+          </p:cNvSpPr>
+          <p:nvPr>
+            <p:ph type="body" idx="1"/>
+          </p:nvPr>
+        </p:nvSpPr>
+        <p:spPr/>
+        <p:txBody>
+          <a:bodyPr/>
+          <a:lstStyle/>
+          <a:p>
+            <a:r>
+              <a:rPr lang="en-US" dirty="0"/>
+              <a:t/>
+            </a:r>
+            <a:endParaRPr lang="en-US" dirty="0"/>
+          </a:p>
+        </p:txBody>
+      </p:sp>
+      <p:sp>
+        <p:nvSpPr>
+          <p:cNvPr id="4" name="Slide Number Placeholder 3"/>
+          <p:cNvSpPr>
+            <a:spLocks noGrp="1"/>
+          </p:cNvSpPr>
+          <p:nvPr>
+            <p:ph type="sldNum" sz="quarter" idx="10"/>
+          </p:nvPr>
+        </p:nvSpPr>
+        <p:spPr/>
+        <p:txBody>
+          <a:bodyPr/>
+          <a:lstStyle/>
+          <a:p>
+            <a:fld id="{F7021451-1387-4CA6-816F-3879F97B5CBC}" type="slidenum">
+              <a:rPr lang="en-US"/>
+              <a:t>17</a:t>
+            </a:fld>
+            <a:endParaRPr lang="en-US"/>
+          </a:p>
+        </p:txBody>
+      </p:sp>
+    </p:spTree>
+    <p:extLst>
+      <p:ext uri="{BB962C8B-B14F-4D97-AF65-F5344CB8AC3E}">
+        <p14:creationId xmlns:p14="http://schemas.microsoft.com/office/powerpoint/2010/main" val="1024086991"/>
+      </p:ext>
+    </p:extLst>
+  </p:cSld>
+  <p:clrMapOvr>
+    <a:masterClrMapping/>
+  </p:clrMapOvr>
+</p:notes>
+</file>
+
+<file path=ppt/notesSlides/notesSlide18.xml><?xml version="1.0" encoding="utf-8"?>
+<p:notes xmlns:a="http://schemas.openxmlformats.org/drawingml/2006/main" xmlns:r="http://schemas.openxmlformats.org/officeDocument/2006/relationships" xmlns:p="http://schemas.openxmlformats.org/presentationml/2006/main">
+  <p:cSld>
+    <p:spTree>
+      <p:nvGrpSpPr>
+        <p:cNvPr id="1" name=""/>
+        <p:cNvGrpSpPr/>
+        <p:nvPr/>
+      </p:nvGrpSpPr>
+      <p:grpSpPr>
+        <a:xfrm>
+          <a:off x="0" y="0"/>
+          <a:ext cx="0" cy="0"/>
+          <a:chOff x="0" y="0"/>
+          <a:chExt cx="0" cy="0"/>
+        </a:xfrm>
+      </p:grpSpPr>
+      <p:sp>
+        <p:nvSpPr>
+          <p:cNvPr id="2" name="Slide Image Placeholder 1"/>
+          <p:cNvSpPr>
+            <a:spLocks noGrp="1" noRot="1" noChangeAspect="1"/>
+          </p:cNvSpPr>
+          <p:nvPr>
+            <p:ph type="sldImg"/>
+          </p:nvPr>
+        </p:nvSpPr>
+        <p:spPr/>
+      </p:sp>
+      <p:sp>
+        <p:nvSpPr>
+          <p:cNvPr id="3" name="Notes Placeholder 2"/>
+          <p:cNvSpPr>
+            <a:spLocks noGrp="1"/>
+          </p:cNvSpPr>
+          <p:nvPr>
+            <p:ph type="body" idx="1"/>
+          </p:nvPr>
+        </p:nvSpPr>
+        <p:spPr/>
+        <p:txBody>
+          <a:bodyPr/>
+          <a:lstStyle/>
+          <a:p>
+            <a:r>
+              <a:rPr lang="en-US" dirty="0"/>
+              <a:t/>
+            </a:r>
+            <a:endParaRPr lang="en-US" dirty="0"/>
+          </a:p>
+        </p:txBody>
+      </p:sp>
+      <p:sp>
+        <p:nvSpPr>
+          <p:cNvPr id="4" name="Slide Number Placeholder 3"/>
+          <p:cNvSpPr>
+            <a:spLocks noGrp="1"/>
+          </p:cNvSpPr>
+          <p:nvPr>
+            <p:ph type="sldNum" sz="quarter" idx="10"/>
+          </p:nvPr>
+        </p:nvSpPr>
+        <p:spPr/>
+        <p:txBody>
+          <a:bodyPr/>
+          <a:lstStyle/>
+          <a:p>
+            <a:fld id="{F7021451-1387-4CA6-816F-3879F97B5CBC}" type="slidenum">
+              <a:rPr lang="en-US"/>
+              <a:t>18</a:t>
+            </a:fld>
+            <a:endParaRPr lang="en-US"/>
+          </a:p>
+        </p:txBody>
+      </p:sp>
+    </p:spTree>
+    <p:extLst>
+      <p:ext uri="{BB962C8B-B14F-4D97-AF65-F5344CB8AC3E}">
+        <p14:creationId xmlns:p14="http://schemas.microsoft.com/office/powerpoint/2010/main" val="1024086991"/>
+      </p:ext>
+    </p:extLst>
+  </p:cSld>
+  <p:clrMapOvr>
+    <a:masterClrMapping/>
+  </p:clrMapOvr>
+</p:notes>
+</file>
+
+<file path=ppt/notesSlides/notesSlide19.xml><?xml version="1.0" encoding="utf-8"?>
+<p:notes xmlns:a="http://schemas.openxmlformats.org/drawingml/2006/main" xmlns:r="http://schemas.openxmlformats.org/officeDocument/2006/relationships" xmlns:p="http://schemas.openxmlformats.org/presentationml/2006/main">
+  <p:cSld>
+    <p:spTree>
+      <p:nvGrpSpPr>
+        <p:cNvPr id="1" name=""/>
+        <p:cNvGrpSpPr/>
+        <p:nvPr/>
+      </p:nvGrpSpPr>
+      <p:grpSpPr>
+        <a:xfrm>
+          <a:off x="0" y="0"/>
+          <a:ext cx="0" cy="0"/>
+          <a:chOff x="0" y="0"/>
+          <a:chExt cx="0" cy="0"/>
+        </a:xfrm>
+      </p:grpSpPr>
+      <p:sp>
+        <p:nvSpPr>
+          <p:cNvPr id="2" name="Slide Image Placeholder 1"/>
+          <p:cNvSpPr>
+            <a:spLocks noGrp="1" noRot="1" noChangeAspect="1"/>
+          </p:cNvSpPr>
+          <p:nvPr>
+            <p:ph type="sldImg"/>
+          </p:nvPr>
+        </p:nvSpPr>
+        <p:spPr/>
+      </p:sp>
+      <p:sp>
+        <p:nvSpPr>
+          <p:cNvPr id="3" name="Notes Placeholder 2"/>
+          <p:cNvSpPr>
+            <a:spLocks noGrp="1"/>
+          </p:cNvSpPr>
+          <p:nvPr>
+            <p:ph type="body" idx="1"/>
+          </p:nvPr>
+        </p:nvSpPr>
+        <p:spPr/>
+        <p:txBody>
+          <a:bodyPr/>
+          <a:lstStyle/>
+          <a:p>
+            <a:r>
+              <a:rPr lang="en-US" dirty="0"/>
+              <a:t/>
+            </a:r>
+            <a:endParaRPr lang="en-US" dirty="0"/>
+          </a:p>
+        </p:txBody>
+      </p:sp>
+      <p:sp>
+        <p:nvSpPr>
+          <p:cNvPr id="4" name="Slide Number Placeholder 3"/>
+          <p:cNvSpPr>
+            <a:spLocks noGrp="1"/>
+          </p:cNvSpPr>
+          <p:nvPr>
+            <p:ph type="sldNum" sz="quarter" idx="10"/>
+          </p:nvPr>
+        </p:nvSpPr>
+        <p:spPr/>
+        <p:txBody>
+          <a:bodyPr/>
+          <a:lstStyle/>
+          <a:p>
+            <a:fld id="{F7021451-1387-4CA6-816F-3879F97B5CBC}" type="slidenum">
+              <a:rPr lang="en-US"/>
+              <a:t>19</a:t>
+            </a:fld>
+            <a:endParaRPr lang="en-US"/>
+          </a:p>
+        </p:txBody>
+      </p:sp>
+    </p:spTree>
+    <p:extLst>
+      <p:ext uri="{BB962C8B-B14F-4D97-AF65-F5344CB8AC3E}">
+        <p14:creationId xmlns:p14="http://schemas.microsoft.com/office/powerpoint/2010/main" val="1024086991"/>
+      </p:ext>
+    </p:extLst>
+  </p:cSld>
+  <p:clrMapOvr>
+    <a:masterClrMapping/>
+  </p:clrMapOvr>
+</p:notes>
+</file>
+
 <file path=ppt/notesSlides/notesSlide2.xml><?xml version="1.0" encoding="utf-8"?>
 <p:notes xmlns:a="http://schemas.openxmlformats.org/drawingml/2006/main" xmlns:r="http://schemas.openxmlformats.org/officeDocument/2006/relationships" xmlns:p="http://schemas.openxmlformats.org/presentationml/2006/main">
   <p:cSld>
@@ -1156,6 +1513,94 @@
             <a:fld id="{F7021451-1387-4CA6-816F-3879F97B5CBC}" type="slidenum">
               <a:rPr lang="en-US"/>
               <a:t>2</a:t>
+            </a:fld>
+            <a:endParaRPr lang="en-US"/>
+          </a:p>
+        </p:txBody>
+      </p:sp>
+    </p:spTree>
+    <p:extLst>
+      <p:ext uri="{BB962C8B-B14F-4D97-AF65-F5344CB8AC3E}">
+        <p14:creationId xmlns:p14="http://schemas.microsoft.com/office/powerpoint/2010/main" val="1024086991"/>
+      </p:ext>
+    </p:extLst>
+  </p:cSld>
+  <p:clrMapOvr>
+    <a:masterClrMapping/>
+  </p:clrMapOvr>
+</p:notes>
+</file>
+
+<file path=ppt/notesSlides/notesSlide20.xml><?xml version="1.0" encoding="utf-8"?>
+<p:notes xmlns:a="http://schemas.openxmlformats.org/drawingml/2006/main" xmlns:r="http://schemas.openxmlformats.org/officeDocument/2006/relationships" xmlns:p="http://schemas.openxmlformats.org/presentationml/2006/main">
+  <p:cSld>
+    <p:spTree>
+      <p:nvGrpSpPr>
+        <p:cNvPr id="1" name=""/>
+        <p:cNvGrpSpPr/>
+        <p:nvPr/>
+      </p:nvGrpSpPr>
+      <p:grpSpPr>
+        <a:xfrm>
+          <a:off x="0" y="0"/>
+          <a:ext cx="0" cy="0"/>
+          <a:chOff x="0" y="0"/>
+          <a:chExt cx="0" cy="0"/>
+        </a:xfrm>
+      </p:grpSpPr>
+      <p:sp>
+        <p:nvSpPr>
+          <p:cNvPr id="2" name="Slide Image Placeholder 1"/>
+          <p:cNvSpPr>
+            <a:spLocks noGrp="1" noRot="1" noChangeAspect="1"/>
+          </p:cNvSpPr>
+          <p:nvPr>
+            <p:ph type="sldImg"/>
+          </p:nvPr>
+        </p:nvSpPr>
+        <p:spPr/>
+      </p:sp>
+      <p:sp>
+        <p:nvSpPr>
+          <p:cNvPr id="3" name="Notes Placeholder 2"/>
+          <p:cNvSpPr>
+            <a:spLocks noGrp="1"/>
+          </p:cNvSpPr>
+          <p:nvPr>
+            <p:ph type="body" idx="1"/>
+          </p:nvPr>
+        </p:nvSpPr>
+        <p:spPr/>
+        <p:txBody>
+          <a:bodyPr/>
+          <a:lstStyle/>
+          <a:p>
+            <a:r>
+              <a:rPr lang="en-US" dirty="0"/>
+              <a:t/>
+            </a:r>
+            <a:endParaRPr lang="en-US" dirty="0"/>
+          </a:p>
+        </p:txBody>
+      </p:sp>
+      <p:sp>
+        <p:nvSpPr>
+          <p:cNvPr id="4" name="Slide Number Placeholder 3"/>
+          <p:cNvSpPr>
+            <a:spLocks noGrp="1"/>
+          </p:cNvSpPr>
+          <p:nvPr>
+            <p:ph type="sldNum" sz="quarter" idx="10"/>
+          </p:nvPr>
+        </p:nvSpPr>
+        <p:spPr/>
+        <p:txBody>
+          <a:bodyPr/>
+          <a:lstStyle/>
+          <a:p>
+            <a:fld id="{F7021451-1387-4CA6-816F-3879F97B5CBC}" type="slidenum">
+              <a:rPr lang="en-US"/>
+              <a:t>20</a:t>
             </a:fld>
             <a:endParaRPr lang="en-US"/>
           </a:p>
@@ -2130,7 +2575,7 @@
       </p:grpSpPr>
       <p:pic>
         <p:nvPicPr>
-          <p:cNvPr id="2" name="Image 0" descr="/tmp/rasterized-gradient-7c2eb396.png">    </p:cNvPr>
+          <p:cNvPr id="2" name="Image 0" descr="/tmp/rasterized-gradient-6ccab4f2.png">    </p:cNvPr>
           <p:cNvPicPr>
             <a:picLocks noChangeAspect="1"/>
           </p:cNvPicPr>
@@ -2441,7 +2886,7 @@
       </p:sp>
       <p:pic>
         <p:nvPicPr>
-          <p:cNvPr id="4" name="Image 0" descr="/tmp/rasterized-gradient-a25c383e.png">    </p:cNvPr>
+          <p:cNvPr id="4" name="Image 0" descr="/tmp/rasterized-gradient-ccd2d281.png">    </p:cNvPr>
           <p:cNvPicPr>
             <a:picLocks noChangeAspect="1"/>
           </p:cNvPicPr>
@@ -2850,7 +3295,7 @@
       </p:sp>
       <p:pic>
         <p:nvPicPr>
-          <p:cNvPr id="14" name="Image 1" descr="/tmp/rasterized-gradient-afd1c581.png">    </p:cNvPr>
+          <p:cNvPr id="14" name="Image 1" descr="/tmp/rasterized-gradient-6ad429c9.png">    </p:cNvPr>
           <p:cNvPicPr>
             <a:picLocks noChangeAspect="1"/>
           </p:cNvPicPr>
@@ -7308,7 +7753,7 @@
       </p:grpSpPr>
       <p:pic>
         <p:nvPicPr>
-          <p:cNvPr id="2" name="Image 0" descr="/tmp/rasterized-gradient-35b786b5.png">    </p:cNvPr>
+          <p:cNvPr id="2" name="Image 0" descr="/tmp/rasterized-gradient-53ab3da4.png">    </p:cNvPr>
           <p:cNvPicPr>
             <a:picLocks noChangeAspect="1"/>
           </p:cNvPicPr>
@@ -8167,6 +8612,3751 @@
               <a:t>Questions?</a:t>
             </a:r>
             <a:endParaRPr lang="en-US" sz="900" dirty="0"/>
+          </a:p>
+        </p:txBody>
+      </p:sp>
+    </p:spTree>
+  </p:cSld>
+  <p:clrMapOvr>
+    <a:masterClrMapping/>
+  </p:clrMapOvr>
+</p:sld>
+</file>
+
+<file path=ppt/slides/slide16.xml><?xml version="1.0" encoding="utf-8"?>
+<p:sld xmlns:a="http://schemas.openxmlformats.org/drawingml/2006/main" xmlns:r="http://schemas.openxmlformats.org/officeDocument/2006/relationships" xmlns:p="http://schemas.openxmlformats.org/presentationml/2006/main">
+  <p:cSld name="Slide 16">
+    <p:bg>
+      <p:bgPr>
+        <a:solidFill>
+          <a:srgbClr val="0F172A"/>
+        </a:solidFill>
+      </p:bgPr>
+    </p:bg>
+    <p:spTree>
+      <p:nvGrpSpPr>
+        <p:cNvPr id="1" name=""/>
+        <p:cNvGrpSpPr/>
+        <p:nvPr/>
+      </p:nvGrpSpPr>
+      <p:grpSpPr>
+        <a:xfrm>
+          <a:off x="0" y="0"/>
+          <a:ext cx="0" cy="0"/>
+          <a:chOff x="0" y="0"/>
+          <a:chExt cx="0" cy="0"/>
+        </a:xfrm>
+      </p:grpSpPr>
+      <p:sp>
+        <p:nvSpPr>
+          <p:cNvPr id="2" name="Text 0"/>
+          <p:cNvSpPr/>
+          <p:nvPr/>
+        </p:nvSpPr>
+        <p:spPr>
+          <a:xfrm>
+            <a:off x="228600" y="228600"/>
+            <a:ext cx="8860536" cy="159990"/>
+          </a:xfrm>
+          <a:prstGeom prst="rect">
+            <a:avLst/>
+          </a:prstGeom>
+          <a:noFill/>
+          <a:ln/>
+        </p:spPr>
+        <p:txBody>
+          <a:bodyPr wrap="square" lIns="0" tIns="0" rIns="0" bIns="0" rtlCol="0" anchor="t"/>
+          <a:lstStyle/>
+          <a:p>
+            <a:pPr algn="l" indent="0" marL="0">
+              <a:lnSpc>
+                <a:spcPts val="1260"/>
+              </a:lnSpc>
+              <a:spcAft>
+                <a:spcPts val="300"/>
+              </a:spcAft>
+              <a:buNone/>
+            </a:pPr>
+            <a:r>
+              <a:rPr lang="en-US" sz="900" b="1" dirty="0">
+                <a:solidFill>
+                  <a:srgbClr val="14B8A6"/>
+                </a:solidFill>
+                <a:latin typeface="Arial" pitchFamily="34" charset="0"/>
+                <a:ea typeface="Arial" pitchFamily="34" charset="-122"/>
+                <a:cs typeface="Arial" pitchFamily="34" charset="-120"/>
+              </a:rPr>
+              <a:t>07 - MAP LIBRARY</a:t>
+            </a:r>
+            <a:endParaRPr lang="en-US" sz="900" dirty="0"/>
+          </a:p>
+        </p:txBody>
+      </p:sp>
+      <p:sp>
+        <p:nvSpPr>
+          <p:cNvPr id="3" name="Text 1"/>
+          <p:cNvSpPr/>
+          <p:nvPr/>
+        </p:nvSpPr>
+        <p:spPr>
+          <a:xfrm>
+            <a:off x="228600" y="426690"/>
+            <a:ext cx="4439984" cy="342900"/>
+          </a:xfrm>
+          <a:prstGeom prst="rect">
+            <a:avLst/>
+          </a:prstGeom>
+          <a:noFill/>
+          <a:ln/>
+        </p:spPr>
+        <p:txBody>
+          <a:bodyPr wrap="square" lIns="0" tIns="0" rIns="0" bIns="0" rtlCol="0" anchor="t"/>
+          <a:lstStyle/>
+          <a:p>
+            <a:pPr algn="l" indent="0" marL="0">
+              <a:lnSpc>
+                <a:spcPts val="2700"/>
+              </a:lnSpc>
+              <a:buNone/>
+            </a:pPr>
+            <a:r>
+              <a:rPr lang="en-US" sz="2700" b="1" dirty="0">
+                <a:solidFill>
+                  <a:srgbClr val="F1F5F9"/>
+                </a:solidFill>
+                <a:latin typeface="Arial" pitchFamily="34" charset="0"/>
+                <a:ea typeface="Arial" pitchFamily="34" charset="-122"/>
+                <a:cs typeface="Arial" pitchFamily="34" charset="-120"/>
+              </a:rPr>
+              <a:t>Map Library Overview</a:t>
+            </a:r>
+            <a:endParaRPr lang="en-US" sz="2700" dirty="0"/>
+          </a:p>
+        </p:txBody>
+      </p:sp>
+      <p:sp>
+        <p:nvSpPr>
+          <p:cNvPr id="4" name="Text 2"/>
+          <p:cNvSpPr/>
+          <p:nvPr/>
+        </p:nvSpPr>
+        <p:spPr>
+          <a:xfrm>
+            <a:off x="228600" y="2169765"/>
+            <a:ext cx="3882253" cy="200025"/>
+          </a:xfrm>
+          <a:prstGeom prst="rect">
+            <a:avLst/>
+          </a:prstGeom>
+          <a:noFill/>
+          <a:ln/>
+        </p:spPr>
+        <p:txBody>
+          <a:bodyPr wrap="square" lIns="0" tIns="0" rIns="0" bIns="0" rtlCol="0" anchor="t"/>
+          <a:lstStyle/>
+          <a:p>
+            <a:pPr algn="l" indent="0" marL="0">
+              <a:lnSpc>
+                <a:spcPts val="1575"/>
+              </a:lnSpc>
+              <a:spcAft>
+                <a:spcPts val="600"/>
+              </a:spcAft>
+              <a:buNone/>
+            </a:pPr>
+            <a:r>
+              <a:rPr lang="en-US" sz="1125" b="1" dirty="0">
+                <a:solidFill>
+                  <a:srgbClr val="F1F5F9"/>
+                </a:solidFill>
+                <a:latin typeface="Arial" pitchFamily="34" charset="0"/>
+                <a:ea typeface="Arial" pitchFamily="34" charset="-122"/>
+                <a:cs typeface="Arial" pitchFamily="34" charset="-120"/>
+              </a:rPr>
+              <a:t>Core Purpose</a:t>
+            </a:r>
+            <a:endParaRPr lang="en-US" sz="1125" dirty="0"/>
+          </a:p>
+        </p:txBody>
+      </p:sp>
+      <p:sp>
+        <p:nvSpPr>
+          <p:cNvPr id="5" name="Text 3"/>
+          <p:cNvSpPr/>
+          <p:nvPr/>
+        </p:nvSpPr>
+        <p:spPr>
+          <a:xfrm>
+            <a:off x="228600" y="2445990"/>
+            <a:ext cx="3882253" cy="396180"/>
+          </a:xfrm>
+          <a:prstGeom prst="rect">
+            <a:avLst/>
+          </a:prstGeom>
+          <a:noFill/>
+          <a:ln/>
+        </p:spPr>
+        <p:txBody>
+          <a:bodyPr wrap="square" lIns="0" tIns="0" rIns="0" bIns="0" rtlCol="0" anchor="t"/>
+          <a:lstStyle/>
+          <a:p>
+            <a:pPr algn="l" indent="0" marL="0">
+              <a:lnSpc>
+                <a:spcPts val="1560"/>
+              </a:lnSpc>
+              <a:buNone/>
+            </a:pPr>
+            <a:r>
+              <a:rPr lang="en-US" sz="975" dirty="0">
+                <a:solidFill>
+                  <a:srgbClr val="94A3B8"/>
+                </a:solidFill>
+                <a:latin typeface="Arial" pitchFamily="34" charset="0"/>
+                <a:ea typeface="Arial" pitchFamily="34" charset="-122"/>
+                <a:cs typeface="Arial" pitchFamily="34" charset="-120"/>
+              </a:rPr>
+              <a:t>The map is the heart of TrailRadar. It renders trail data, user location, and interactive layers for exploring outdoor routes.</a:t>
+            </a:r>
+            <a:endParaRPr lang="en-US" sz="975" dirty="0"/>
+          </a:p>
+        </p:txBody>
+      </p:sp>
+      <p:sp>
+        <p:nvSpPr>
+          <p:cNvPr id="6" name="Text 4"/>
+          <p:cNvSpPr/>
+          <p:nvPr/>
+        </p:nvSpPr>
+        <p:spPr>
+          <a:xfrm>
+            <a:off x="228600" y="2994571"/>
+            <a:ext cx="3882253" cy="200025"/>
+          </a:xfrm>
+          <a:prstGeom prst="rect">
+            <a:avLst/>
+          </a:prstGeom>
+          <a:noFill/>
+          <a:ln/>
+        </p:spPr>
+        <p:txBody>
+          <a:bodyPr wrap="square" lIns="0" tIns="0" rIns="0" bIns="0" rtlCol="0" anchor="t"/>
+          <a:lstStyle/>
+          <a:p>
+            <a:pPr algn="l" indent="0" marL="0">
+              <a:lnSpc>
+                <a:spcPts val="1575"/>
+              </a:lnSpc>
+              <a:spcAft>
+                <a:spcPts val="600"/>
+              </a:spcAft>
+              <a:buNone/>
+            </a:pPr>
+            <a:r>
+              <a:rPr lang="en-US" sz="1125" b="1" dirty="0">
+                <a:solidFill>
+                  <a:srgbClr val="F1F5F9"/>
+                </a:solidFill>
+                <a:latin typeface="Arial" pitchFamily="34" charset="0"/>
+                <a:ea typeface="Arial" pitchFamily="34" charset="-122"/>
+                <a:cs typeface="Arial" pitchFamily="34" charset="-120"/>
+              </a:rPr>
+              <a:t>Technology Choice</a:t>
+            </a:r>
+            <a:endParaRPr lang="en-US" sz="1125" dirty="0"/>
+          </a:p>
+        </p:txBody>
+      </p:sp>
+      <p:sp>
+        <p:nvSpPr>
+          <p:cNvPr id="7" name="Text 5"/>
+          <p:cNvSpPr/>
+          <p:nvPr/>
+        </p:nvSpPr>
+        <p:spPr>
+          <a:xfrm>
+            <a:off x="228600" y="3270796"/>
+            <a:ext cx="3882253" cy="396180"/>
+          </a:xfrm>
+          <a:prstGeom prst="rect">
+            <a:avLst/>
+          </a:prstGeom>
+          <a:noFill/>
+          <a:ln/>
+        </p:spPr>
+        <p:txBody>
+          <a:bodyPr wrap="square" lIns="0" tIns="0" rIns="0" bIns="0" rtlCol="0" anchor="t"/>
+          <a:lstStyle/>
+          <a:p>
+            <a:pPr algn="l" indent="0" marL="0">
+              <a:lnSpc>
+                <a:spcPts val="1560"/>
+              </a:lnSpc>
+              <a:buNone/>
+            </a:pPr>
+            <a:r>
+              <a:rPr lang="en-US" sz="975" dirty="0">
+                <a:solidFill>
+                  <a:srgbClr val="94A3B8"/>
+                </a:solidFill>
+                <a:latin typeface="Arial" pitchFamily="34" charset="0"/>
+                <a:ea typeface="Arial" pitchFamily="34" charset="-122"/>
+                <a:cs typeface="Arial" pitchFamily="34" charset="-120"/>
+              </a:rPr>
+              <a:t>Mapbox GL JS or MapLibre GL for high-performance vector tile rendering with WebGL acceleration.</a:t>
+            </a:r>
+            <a:endParaRPr lang="en-US" sz="975" dirty="0"/>
+          </a:p>
+        </p:txBody>
+      </p:sp>
+      <p:sp>
+        <p:nvSpPr>
+          <p:cNvPr id="8" name="Text 6"/>
+          <p:cNvSpPr/>
+          <p:nvPr/>
+        </p:nvSpPr>
+        <p:spPr>
+          <a:xfrm>
+            <a:off x="4263330" y="1444079"/>
+            <a:ext cx="4652070" cy="651421"/>
+          </a:xfrm>
+          <a:prstGeom prst="roundRect">
+            <a:avLst>
+              <a:gd name="adj" fmla="val 9358"/>
+            </a:avLst>
+          </a:prstGeom>
+          <a:solidFill>
+            <a:srgbClr val="1E293B"/>
+          </a:solidFill>
+          <a:ln/>
+        </p:spPr>
+        <p:txBody>
+          <a:bodyPr wrap="square" rtlCol="0" anchor="ctr"/>
+          <a:lstStyle/>
+          <a:p>
+            <a:pPr indent="0" marL="0">
+              <a:buNone/>
+            </a:pPr>
+            <a:endParaRPr lang="en-US" dirty="0"/>
+          </a:p>
+        </p:txBody>
+      </p:sp>
+      <p:sp>
+        <p:nvSpPr>
+          <p:cNvPr id="9" name="Text 7"/>
+          <p:cNvSpPr/>
+          <p:nvPr/>
+        </p:nvSpPr>
+        <p:spPr>
+          <a:xfrm>
+            <a:off x="4396680" y="1577429"/>
+            <a:ext cx="4473077" cy="186630"/>
+          </a:xfrm>
+          <a:prstGeom prst="rect">
+            <a:avLst/>
+          </a:prstGeom>
+          <a:noFill/>
+          <a:ln/>
+        </p:spPr>
+        <p:txBody>
+          <a:bodyPr wrap="square" lIns="0" tIns="0" rIns="0" bIns="0" rtlCol="0" anchor="t"/>
+          <a:lstStyle/>
+          <a:p>
+            <a:pPr algn="l" indent="0" marL="0">
+              <a:lnSpc>
+                <a:spcPts val="1470"/>
+              </a:lnSpc>
+              <a:buNone/>
+            </a:pPr>
+            <a:r>
+              <a:rPr lang="en-US" sz="1050" b="1" dirty="0">
+                <a:solidFill>
+                  <a:srgbClr val="14B8A6"/>
+                </a:solidFill>
+                <a:latin typeface="Arial" pitchFamily="34" charset="0"/>
+                <a:ea typeface="Arial" pitchFamily="34" charset="-122"/>
+                <a:cs typeface="Arial" pitchFamily="34" charset="-120"/>
+              </a:rPr>
+              <a:t>Trail Visualization</a:t>
+            </a:r>
+            <a:endParaRPr lang="en-US" sz="1050" dirty="0"/>
+          </a:p>
+        </p:txBody>
+      </p:sp>
+      <p:sp>
+        <p:nvSpPr>
+          <p:cNvPr id="10" name="Text 8"/>
+          <p:cNvSpPr/>
+          <p:nvPr/>
+        </p:nvSpPr>
+        <p:spPr>
+          <a:xfrm>
+            <a:off x="4396680" y="1802160"/>
+            <a:ext cx="4473077" cy="159990"/>
+          </a:xfrm>
+          <a:prstGeom prst="rect">
+            <a:avLst/>
+          </a:prstGeom>
+          <a:noFill/>
+          <a:ln/>
+        </p:spPr>
+        <p:txBody>
+          <a:bodyPr wrap="square" lIns="0" tIns="0" rIns="0" bIns="0" rtlCol="0" anchor="t"/>
+          <a:lstStyle/>
+          <a:p>
+            <a:pPr algn="l" indent="0" marL="0">
+              <a:lnSpc>
+                <a:spcPts val="1260"/>
+              </a:lnSpc>
+              <a:spcBef>
+                <a:spcPts val="300"/>
+              </a:spcBef>
+              <a:buNone/>
+            </a:pPr>
+            <a:r>
+              <a:rPr lang="en-US" sz="900" dirty="0">
+                <a:solidFill>
+                  <a:srgbClr val="94A3B8"/>
+                </a:solidFill>
+                <a:latin typeface="Arial" pitchFamily="34" charset="0"/>
+                <a:ea typeface="Arial" pitchFamily="34" charset="-122"/>
+                <a:cs typeface="Arial" pitchFamily="34" charset="-120"/>
+              </a:rPr>
+              <a:t>Render GeoJSON trail paths with elevation profiles and difficulty colors</a:t>
+            </a:r>
+            <a:endParaRPr lang="en-US" sz="900" dirty="0"/>
+          </a:p>
+        </p:txBody>
+      </p:sp>
+      <p:sp>
+        <p:nvSpPr>
+          <p:cNvPr id="11" name="Text 9"/>
+          <p:cNvSpPr/>
+          <p:nvPr/>
+        </p:nvSpPr>
+        <p:spPr>
+          <a:xfrm>
+            <a:off x="4263330" y="2209800"/>
+            <a:ext cx="4652070" cy="651421"/>
+          </a:xfrm>
+          <a:prstGeom prst="roundRect">
+            <a:avLst>
+              <a:gd name="adj" fmla="val 9358"/>
+            </a:avLst>
+          </a:prstGeom>
+          <a:solidFill>
+            <a:srgbClr val="1E293B"/>
+          </a:solidFill>
+          <a:ln/>
+        </p:spPr>
+        <p:txBody>
+          <a:bodyPr wrap="square" rtlCol="0" anchor="ctr"/>
+          <a:lstStyle/>
+          <a:p>
+            <a:pPr indent="0" marL="0">
+              <a:buNone/>
+            </a:pPr>
+            <a:endParaRPr lang="en-US" dirty="0"/>
+          </a:p>
+        </p:txBody>
+      </p:sp>
+      <p:sp>
+        <p:nvSpPr>
+          <p:cNvPr id="12" name="Text 10"/>
+          <p:cNvSpPr/>
+          <p:nvPr/>
+        </p:nvSpPr>
+        <p:spPr>
+          <a:xfrm>
+            <a:off x="4396680" y="2343150"/>
+            <a:ext cx="4473077" cy="186630"/>
+          </a:xfrm>
+          <a:prstGeom prst="rect">
+            <a:avLst/>
+          </a:prstGeom>
+          <a:noFill/>
+          <a:ln/>
+        </p:spPr>
+        <p:txBody>
+          <a:bodyPr wrap="square" lIns="0" tIns="0" rIns="0" bIns="0" rtlCol="0" anchor="t"/>
+          <a:lstStyle/>
+          <a:p>
+            <a:pPr algn="l" indent="0" marL="0">
+              <a:lnSpc>
+                <a:spcPts val="1470"/>
+              </a:lnSpc>
+              <a:buNone/>
+            </a:pPr>
+            <a:r>
+              <a:rPr lang="en-US" sz="1050" b="1" dirty="0">
+                <a:solidFill>
+                  <a:srgbClr val="14B8A6"/>
+                </a:solidFill>
+                <a:latin typeface="Arial" pitchFamily="34" charset="0"/>
+                <a:ea typeface="Arial" pitchFamily="34" charset="-122"/>
+                <a:cs typeface="Arial" pitchFamily="34" charset="-120"/>
+              </a:rPr>
+              <a:t>User Location</a:t>
+            </a:r>
+            <a:endParaRPr lang="en-US" sz="1050" dirty="0"/>
+          </a:p>
+        </p:txBody>
+      </p:sp>
+      <p:sp>
+        <p:nvSpPr>
+          <p:cNvPr id="13" name="Text 11"/>
+          <p:cNvSpPr/>
+          <p:nvPr/>
+        </p:nvSpPr>
+        <p:spPr>
+          <a:xfrm>
+            <a:off x="4396680" y="2567880"/>
+            <a:ext cx="4473077" cy="159990"/>
+          </a:xfrm>
+          <a:prstGeom prst="rect">
+            <a:avLst/>
+          </a:prstGeom>
+          <a:noFill/>
+          <a:ln/>
+        </p:spPr>
+        <p:txBody>
+          <a:bodyPr wrap="square" lIns="0" tIns="0" rIns="0" bIns="0" rtlCol="0" anchor="t"/>
+          <a:lstStyle/>
+          <a:p>
+            <a:pPr algn="l" indent="0" marL="0">
+              <a:lnSpc>
+                <a:spcPts val="1260"/>
+              </a:lnSpc>
+              <a:spcBef>
+                <a:spcPts val="300"/>
+              </a:spcBef>
+              <a:buNone/>
+            </a:pPr>
+            <a:r>
+              <a:rPr lang="en-US" sz="900" dirty="0">
+                <a:solidFill>
+                  <a:srgbClr val="94A3B8"/>
+                </a:solidFill>
+                <a:latin typeface="Arial" pitchFamily="34" charset="0"/>
+                <a:ea typeface="Arial" pitchFamily="34" charset="-122"/>
+                <a:cs typeface="Arial" pitchFamily="34" charset="-120"/>
+              </a:rPr>
+              <a:t>Real-time GPS tracking with heading indicator and accuracy circle</a:t>
+            </a:r>
+            <a:endParaRPr lang="en-US" sz="900" dirty="0"/>
+          </a:p>
+        </p:txBody>
+      </p:sp>
+      <p:sp>
+        <p:nvSpPr>
+          <p:cNvPr id="14" name="Text 12"/>
+          <p:cNvSpPr/>
+          <p:nvPr/>
+        </p:nvSpPr>
+        <p:spPr>
+          <a:xfrm>
+            <a:off x="4263330" y="2975521"/>
+            <a:ext cx="4652070" cy="651421"/>
+          </a:xfrm>
+          <a:prstGeom prst="roundRect">
+            <a:avLst>
+              <a:gd name="adj" fmla="val 9358"/>
+            </a:avLst>
+          </a:prstGeom>
+          <a:solidFill>
+            <a:srgbClr val="1E293B"/>
+          </a:solidFill>
+          <a:ln/>
+        </p:spPr>
+        <p:txBody>
+          <a:bodyPr wrap="square" rtlCol="0" anchor="ctr"/>
+          <a:lstStyle/>
+          <a:p>
+            <a:pPr indent="0" marL="0">
+              <a:buNone/>
+            </a:pPr>
+            <a:endParaRPr lang="en-US" dirty="0"/>
+          </a:p>
+        </p:txBody>
+      </p:sp>
+      <p:sp>
+        <p:nvSpPr>
+          <p:cNvPr id="15" name="Text 13"/>
+          <p:cNvSpPr/>
+          <p:nvPr/>
+        </p:nvSpPr>
+        <p:spPr>
+          <a:xfrm>
+            <a:off x="4396680" y="3108871"/>
+            <a:ext cx="4473077" cy="186630"/>
+          </a:xfrm>
+          <a:prstGeom prst="rect">
+            <a:avLst/>
+          </a:prstGeom>
+          <a:noFill/>
+          <a:ln/>
+        </p:spPr>
+        <p:txBody>
+          <a:bodyPr wrap="square" lIns="0" tIns="0" rIns="0" bIns="0" rtlCol="0" anchor="t"/>
+          <a:lstStyle/>
+          <a:p>
+            <a:pPr algn="l" indent="0" marL="0">
+              <a:lnSpc>
+                <a:spcPts val="1470"/>
+              </a:lnSpc>
+              <a:buNone/>
+            </a:pPr>
+            <a:r>
+              <a:rPr lang="en-US" sz="1050" b="1" dirty="0">
+                <a:solidFill>
+                  <a:srgbClr val="F97316"/>
+                </a:solidFill>
+                <a:latin typeface="Arial" pitchFamily="34" charset="0"/>
+                <a:ea typeface="Arial" pitchFamily="34" charset="-122"/>
+                <a:cs typeface="Arial" pitchFamily="34" charset="-120"/>
+              </a:rPr>
+              <a:t>Interactive Layers</a:t>
+            </a:r>
+            <a:endParaRPr lang="en-US" sz="1050" dirty="0"/>
+          </a:p>
+        </p:txBody>
+      </p:sp>
+      <p:sp>
+        <p:nvSpPr>
+          <p:cNvPr id="16" name="Text 14"/>
+          <p:cNvSpPr/>
+          <p:nvPr/>
+        </p:nvSpPr>
+        <p:spPr>
+          <a:xfrm>
+            <a:off x="4396680" y="3333601"/>
+            <a:ext cx="4473077" cy="159990"/>
+          </a:xfrm>
+          <a:prstGeom prst="rect">
+            <a:avLst/>
+          </a:prstGeom>
+          <a:noFill/>
+          <a:ln/>
+        </p:spPr>
+        <p:txBody>
+          <a:bodyPr wrap="square" lIns="0" tIns="0" rIns="0" bIns="0" rtlCol="0" anchor="t"/>
+          <a:lstStyle/>
+          <a:p>
+            <a:pPr algn="l" indent="0" marL="0">
+              <a:lnSpc>
+                <a:spcPts val="1260"/>
+              </a:lnSpc>
+              <a:spcBef>
+                <a:spcPts val="300"/>
+              </a:spcBef>
+              <a:buNone/>
+            </a:pPr>
+            <a:r>
+              <a:rPr lang="en-US" sz="900" dirty="0">
+                <a:solidFill>
+                  <a:srgbClr val="94A3B8"/>
+                </a:solidFill>
+                <a:latin typeface="Arial" pitchFamily="34" charset="0"/>
+                <a:ea typeface="Arial" pitchFamily="34" charset="-122"/>
+                <a:cs typeface="Arial" pitchFamily="34" charset="-120"/>
+              </a:rPr>
+              <a:t>POIs, trailheads, waypoints, and user-generated markers</a:t>
+            </a:r>
+            <a:endParaRPr lang="en-US" sz="900" dirty="0"/>
+          </a:p>
+        </p:txBody>
+      </p:sp>
+      <p:sp>
+        <p:nvSpPr>
+          <p:cNvPr id="17" name="Text 15"/>
+          <p:cNvSpPr/>
+          <p:nvPr/>
+        </p:nvSpPr>
+        <p:spPr>
+          <a:xfrm>
+            <a:off x="4263330" y="3741241"/>
+            <a:ext cx="4652070" cy="651421"/>
+          </a:xfrm>
+          <a:prstGeom prst="roundRect">
+            <a:avLst>
+              <a:gd name="adj" fmla="val 9358"/>
+            </a:avLst>
+          </a:prstGeom>
+          <a:solidFill>
+            <a:srgbClr val="1E293B"/>
+          </a:solidFill>
+          <a:ln/>
+        </p:spPr>
+        <p:txBody>
+          <a:bodyPr wrap="square" rtlCol="0" anchor="ctr"/>
+          <a:lstStyle/>
+          <a:p>
+            <a:pPr indent="0" marL="0">
+              <a:buNone/>
+            </a:pPr>
+            <a:endParaRPr lang="en-US" dirty="0"/>
+          </a:p>
+        </p:txBody>
+      </p:sp>
+      <p:sp>
+        <p:nvSpPr>
+          <p:cNvPr id="18" name="Text 16"/>
+          <p:cNvSpPr/>
+          <p:nvPr/>
+        </p:nvSpPr>
+        <p:spPr>
+          <a:xfrm>
+            <a:off x="4396680" y="3874591"/>
+            <a:ext cx="4473077" cy="186630"/>
+          </a:xfrm>
+          <a:prstGeom prst="rect">
+            <a:avLst/>
+          </a:prstGeom>
+          <a:noFill/>
+          <a:ln/>
+        </p:spPr>
+        <p:txBody>
+          <a:bodyPr wrap="square" lIns="0" tIns="0" rIns="0" bIns="0" rtlCol="0" anchor="t"/>
+          <a:lstStyle/>
+          <a:p>
+            <a:pPr algn="l" indent="0" marL="0">
+              <a:lnSpc>
+                <a:spcPts val="1470"/>
+              </a:lnSpc>
+              <a:buNone/>
+            </a:pPr>
+            <a:r>
+              <a:rPr lang="en-US" sz="1050" b="1" dirty="0">
+                <a:solidFill>
+                  <a:srgbClr val="F97316"/>
+                </a:solidFill>
+                <a:latin typeface="Arial" pitchFamily="34" charset="0"/>
+                <a:ea typeface="Arial" pitchFamily="34" charset="-122"/>
+                <a:cs typeface="Arial" pitchFamily="34" charset="-120"/>
+              </a:rPr>
+              <a:t>Offline Support</a:t>
+            </a:r>
+            <a:endParaRPr lang="en-US" sz="1050" dirty="0"/>
+          </a:p>
+        </p:txBody>
+      </p:sp>
+      <p:sp>
+        <p:nvSpPr>
+          <p:cNvPr id="19" name="Text 17"/>
+          <p:cNvSpPr/>
+          <p:nvPr/>
+        </p:nvSpPr>
+        <p:spPr>
+          <a:xfrm>
+            <a:off x="4396680" y="4099322"/>
+            <a:ext cx="4473077" cy="159990"/>
+          </a:xfrm>
+          <a:prstGeom prst="rect">
+            <a:avLst/>
+          </a:prstGeom>
+          <a:noFill/>
+          <a:ln/>
+        </p:spPr>
+        <p:txBody>
+          <a:bodyPr wrap="square" lIns="0" tIns="0" rIns="0" bIns="0" rtlCol="0" anchor="t"/>
+          <a:lstStyle/>
+          <a:p>
+            <a:pPr algn="l" indent="0" marL="0">
+              <a:lnSpc>
+                <a:spcPts val="1260"/>
+              </a:lnSpc>
+              <a:spcBef>
+                <a:spcPts val="300"/>
+              </a:spcBef>
+              <a:buNone/>
+            </a:pPr>
+            <a:r>
+              <a:rPr lang="en-US" sz="900" dirty="0">
+                <a:solidFill>
+                  <a:srgbClr val="94A3B8"/>
+                </a:solidFill>
+                <a:latin typeface="Arial" pitchFamily="34" charset="0"/>
+                <a:ea typeface="Arial" pitchFamily="34" charset="-122"/>
+                <a:cs typeface="Arial" pitchFamily="34" charset="-120"/>
+              </a:rPr>
+              <a:t>Download map regions for use without internet connection</a:t>
+            </a:r>
+            <a:endParaRPr lang="en-US" sz="900" dirty="0"/>
+          </a:p>
+        </p:txBody>
+      </p:sp>
+    </p:spTree>
+  </p:cSld>
+  <p:clrMapOvr>
+    <a:masterClrMapping/>
+  </p:clrMapOvr>
+</p:sld>
+</file>
+
+<file path=ppt/slides/slide17.xml><?xml version="1.0" encoding="utf-8"?>
+<p:sld xmlns:a="http://schemas.openxmlformats.org/drawingml/2006/main" xmlns:r="http://schemas.openxmlformats.org/officeDocument/2006/relationships" xmlns:p="http://schemas.openxmlformats.org/presentationml/2006/main">
+  <p:cSld name="Slide 17">
+    <p:bg>
+      <p:bgPr>
+        <a:solidFill>
+          <a:srgbClr val="0F172A"/>
+        </a:solidFill>
+      </p:bgPr>
+    </p:bg>
+    <p:spTree>
+      <p:nvGrpSpPr>
+        <p:cNvPr id="1" name=""/>
+        <p:cNvGrpSpPr/>
+        <p:nvPr/>
+      </p:nvGrpSpPr>
+      <p:grpSpPr>
+        <a:xfrm>
+          <a:off x="0" y="0"/>
+          <a:ext cx="0" cy="0"/>
+          <a:chOff x="0" y="0"/>
+          <a:chExt cx="0" cy="0"/>
+        </a:xfrm>
+      </p:grpSpPr>
+      <p:sp>
+        <p:nvSpPr>
+          <p:cNvPr id="2" name="Text 0"/>
+          <p:cNvSpPr/>
+          <p:nvPr/>
+        </p:nvSpPr>
+        <p:spPr>
+          <a:xfrm>
+            <a:off x="228600" y="228600"/>
+            <a:ext cx="8860536" cy="159990"/>
+          </a:xfrm>
+          <a:prstGeom prst="rect">
+            <a:avLst/>
+          </a:prstGeom>
+          <a:noFill/>
+          <a:ln/>
+        </p:spPr>
+        <p:txBody>
+          <a:bodyPr wrap="square" lIns="0" tIns="0" rIns="0" bIns="0" rtlCol="0" anchor="t"/>
+          <a:lstStyle/>
+          <a:p>
+            <a:pPr algn="l" indent="0" marL="0">
+              <a:lnSpc>
+                <a:spcPts val="1260"/>
+              </a:lnSpc>
+              <a:spcAft>
+                <a:spcPts val="300"/>
+              </a:spcAft>
+              <a:buNone/>
+            </a:pPr>
+            <a:r>
+              <a:rPr lang="en-US" sz="900" b="1" dirty="0">
+                <a:solidFill>
+                  <a:srgbClr val="14B8A6"/>
+                </a:solidFill>
+                <a:latin typeface="Arial" pitchFamily="34" charset="0"/>
+                <a:ea typeface="Arial" pitchFamily="34" charset="-122"/>
+                <a:cs typeface="Arial" pitchFamily="34" charset="-120"/>
+              </a:rPr>
+              <a:t>07 - MAP LIBRARY</a:t>
+            </a:r>
+            <a:endParaRPr lang="en-US" sz="900" dirty="0"/>
+          </a:p>
+        </p:txBody>
+      </p:sp>
+      <p:sp>
+        <p:nvSpPr>
+          <p:cNvPr id="3" name="Text 1"/>
+          <p:cNvSpPr/>
+          <p:nvPr/>
+        </p:nvSpPr>
+        <p:spPr>
+          <a:xfrm>
+            <a:off x="228600" y="426690"/>
+            <a:ext cx="4439984" cy="342900"/>
+          </a:xfrm>
+          <a:prstGeom prst="rect">
+            <a:avLst/>
+          </a:prstGeom>
+          <a:noFill/>
+          <a:ln/>
+        </p:spPr>
+        <p:txBody>
+          <a:bodyPr wrap="square" lIns="0" tIns="0" rIns="0" bIns="0" rtlCol="0" anchor="t"/>
+          <a:lstStyle/>
+          <a:p>
+            <a:pPr algn="l" indent="0" marL="0">
+              <a:lnSpc>
+                <a:spcPts val="2700"/>
+              </a:lnSpc>
+              <a:buNone/>
+            </a:pPr>
+            <a:r>
+              <a:rPr lang="en-US" sz="2700" b="1" dirty="0">
+                <a:solidFill>
+                  <a:srgbClr val="F1F5F9"/>
+                </a:solidFill>
+                <a:latin typeface="Arial" pitchFamily="34" charset="0"/>
+                <a:ea typeface="Arial" pitchFamily="34" charset="-122"/>
+                <a:cs typeface="Arial" pitchFamily="34" charset="-120"/>
+              </a:rPr>
+              <a:t>Frontend Architecture</a:t>
+            </a:r>
+            <a:endParaRPr lang="en-US" sz="2700" dirty="0"/>
+          </a:p>
+        </p:txBody>
+      </p:sp>
+      <p:sp>
+        <p:nvSpPr>
+          <p:cNvPr id="4" name="Text 2"/>
+          <p:cNvSpPr/>
+          <p:nvPr/>
+        </p:nvSpPr>
+        <p:spPr>
+          <a:xfrm>
+            <a:off x="228600" y="1200150"/>
+            <a:ext cx="4229100" cy="2971800"/>
+          </a:xfrm>
+          <a:prstGeom prst="roundRect">
+            <a:avLst>
+              <a:gd name="adj" fmla="val 2051"/>
+            </a:avLst>
+          </a:prstGeom>
+          <a:solidFill>
+            <a:srgbClr val="1E293B"/>
+          </a:solidFill>
+          <a:ln/>
+        </p:spPr>
+        <p:txBody>
+          <a:bodyPr wrap="square" rtlCol="0" anchor="ctr"/>
+          <a:lstStyle/>
+          <a:p>
+            <a:pPr indent="0" marL="0">
+              <a:buNone/>
+            </a:pPr>
+            <a:endParaRPr lang="en-US" dirty="0"/>
+          </a:p>
+        </p:txBody>
+      </p:sp>
+      <p:sp>
+        <p:nvSpPr>
+          <p:cNvPr id="5" name="Text 3"/>
+          <p:cNvSpPr/>
+          <p:nvPr/>
+        </p:nvSpPr>
+        <p:spPr>
+          <a:xfrm>
+            <a:off x="381000" y="1352550"/>
+            <a:ext cx="4002786" cy="266700"/>
+          </a:xfrm>
+          <a:prstGeom prst="rect">
+            <a:avLst/>
+          </a:prstGeom>
+          <a:noFill/>
+          <a:ln/>
+        </p:spPr>
+        <p:txBody>
+          <a:bodyPr wrap="square" lIns="0" tIns="0" rIns="0" bIns="0" rtlCol="0" anchor="t"/>
+          <a:lstStyle/>
+          <a:p>
+            <a:pPr algn="l" indent="0" marL="0">
+              <a:lnSpc>
+                <a:spcPts val="2100"/>
+              </a:lnSpc>
+              <a:buNone/>
+            </a:pPr>
+            <a:r>
+              <a:rPr lang="en-US" sz="1500" dirty="0">
+                <a:solidFill>
+                  <a:srgbClr val="94A3B8"/>
+                </a:solidFill>
+                <a:latin typeface="Arial" pitchFamily="34" charset="0"/>
+                <a:ea typeface="Arial" pitchFamily="34" charset="-122"/>
+                <a:cs typeface="Arial" pitchFamily="34" charset="-120"/>
+              </a:rPr>
+              <a:t>// React Map Component</a:t>
+            </a:r>
+            <a:endParaRPr lang="en-US" sz="1500" dirty="0"/>
+          </a:p>
+        </p:txBody>
+      </p:sp>
+      <p:sp>
+        <p:nvSpPr>
+          <p:cNvPr id="6" name="Text 4"/>
+          <p:cNvSpPr/>
+          <p:nvPr/>
+        </p:nvSpPr>
+        <p:spPr>
+          <a:xfrm>
+            <a:off x="381000" y="1657350"/>
+            <a:ext cx="4002786" cy="266700"/>
+          </a:xfrm>
+          <a:prstGeom prst="rect">
+            <a:avLst/>
+          </a:prstGeom>
+          <a:noFill/>
+          <a:ln/>
+        </p:spPr>
+        <p:txBody>
+          <a:bodyPr wrap="square" lIns="0" tIns="0" rIns="0" bIns="0" rtlCol="0" anchor="t"/>
+          <a:lstStyle/>
+          <a:p>
+            <a:pPr algn="l" indent="0" marL="0">
+              <a:lnSpc>
+                <a:spcPts val="2100"/>
+              </a:lnSpc>
+              <a:spcBef>
+                <a:spcPts val="300"/>
+              </a:spcBef>
+              <a:buNone/>
+            </a:pPr>
+            <a:r>
+              <a:rPr lang="en-US" sz="1500" dirty="0">
+                <a:solidFill>
+                  <a:srgbClr val="F1F5F9"/>
+                </a:solidFill>
+                <a:latin typeface="Arial" pitchFamily="34" charset="0"/>
+                <a:ea typeface="Arial" pitchFamily="34" charset="-122"/>
+                <a:cs typeface="Arial" pitchFamily="34" charset="-120"/>
+              </a:rPr>
+              <a:t>import { useMap } from</a:t>
+            </a:r>
+            <a:endParaRPr lang="en-US" sz="1500" dirty="0"/>
+          </a:p>
+        </p:txBody>
+      </p:sp>
+      <p:sp>
+        <p:nvSpPr>
+          <p:cNvPr id="7" name="Text 5"/>
+          <p:cNvSpPr/>
+          <p:nvPr/>
+        </p:nvSpPr>
+        <p:spPr>
+          <a:xfrm>
+            <a:off x="381000" y="1924050"/>
+            <a:ext cx="4002786" cy="266700"/>
+          </a:xfrm>
+          <a:prstGeom prst="rect">
+            <a:avLst/>
+          </a:prstGeom>
+          <a:noFill/>
+          <a:ln/>
+        </p:spPr>
+        <p:txBody>
+          <a:bodyPr wrap="square" lIns="0" tIns="0" rIns="0" bIns="0" rtlCol="0" anchor="t"/>
+          <a:lstStyle/>
+          <a:p>
+            <a:pPr algn="l" indent="0" marL="0">
+              <a:lnSpc>
+                <a:spcPts val="2100"/>
+              </a:lnSpc>
+              <a:buNone/>
+            </a:pPr>
+            <a:r>
+              <a:rPr lang="en-US" sz="1500" dirty="0">
+                <a:solidFill>
+                  <a:srgbClr val="F1F5F9"/>
+                </a:solidFill>
+                <a:latin typeface="Arial" pitchFamily="34" charset="0"/>
+                <a:ea typeface="Arial" pitchFamily="34" charset="-122"/>
+                <a:cs typeface="Arial" pitchFamily="34" charset="-120"/>
+              </a:rPr>
+              <a:t>'@trailradar/map'</a:t>
+            </a:r>
+            <a:endParaRPr lang="en-US" sz="1500" dirty="0"/>
+          </a:p>
+        </p:txBody>
+      </p:sp>
+      <p:sp>
+        <p:nvSpPr>
+          <p:cNvPr id="8" name="Text 6"/>
+          <p:cNvSpPr/>
+          <p:nvPr/>
+        </p:nvSpPr>
+        <p:spPr>
+          <a:xfrm>
+            <a:off x="381000" y="2266950"/>
+            <a:ext cx="4002786" cy="266700"/>
+          </a:xfrm>
+          <a:prstGeom prst="rect">
+            <a:avLst/>
+          </a:prstGeom>
+          <a:noFill/>
+          <a:ln/>
+        </p:spPr>
+        <p:txBody>
+          <a:bodyPr wrap="square" lIns="0" tIns="0" rIns="0" bIns="0" rtlCol="0" anchor="t"/>
+          <a:lstStyle/>
+          <a:p>
+            <a:pPr algn="l" indent="0" marL="0">
+              <a:lnSpc>
+                <a:spcPts val="2100"/>
+              </a:lnSpc>
+              <a:spcBef>
+                <a:spcPts val="600"/>
+              </a:spcBef>
+              <a:buNone/>
+            </a:pPr>
+            <a:r>
+              <a:rPr lang="en-US" sz="1500" dirty="0">
+                <a:solidFill>
+                  <a:srgbClr val="F1F5F9"/>
+                </a:solidFill>
+                <a:latin typeface="Arial" pitchFamily="34" charset="0"/>
+                <a:ea typeface="Arial" pitchFamily="34" charset="-122"/>
+                <a:cs typeface="Arial" pitchFamily="34" charset="-120"/>
+              </a:rPr>
+              <a:t>const { map, addTrail,</a:t>
+            </a:r>
+            <a:endParaRPr lang="en-US" sz="1500" dirty="0"/>
+          </a:p>
+        </p:txBody>
+      </p:sp>
+      <p:sp>
+        <p:nvSpPr>
+          <p:cNvPr id="9" name="Text 7"/>
+          <p:cNvSpPr/>
+          <p:nvPr/>
+        </p:nvSpPr>
+        <p:spPr>
+          <a:xfrm>
+            <a:off x="381000" y="2533650"/>
+            <a:ext cx="4002786" cy="266700"/>
+          </a:xfrm>
+          <a:prstGeom prst="rect">
+            <a:avLst/>
+          </a:prstGeom>
+          <a:noFill/>
+          <a:ln/>
+        </p:spPr>
+        <p:txBody>
+          <a:bodyPr wrap="square" lIns="0" tIns="0" rIns="0" bIns="0" rtlCol="0" anchor="t"/>
+          <a:lstStyle/>
+          <a:p>
+            <a:pPr algn="l" indent="0" marL="0">
+              <a:lnSpc>
+                <a:spcPts val="2100"/>
+              </a:lnSpc>
+              <a:buNone/>
+            </a:pPr>
+            <a:r>
+              <a:rPr lang="en-US" sz="1500" dirty="0">
+                <a:solidFill>
+                  <a:srgbClr val="F1F5F9"/>
+                </a:solidFill>
+                <a:latin typeface="Arial" pitchFamily="34" charset="0"/>
+                <a:ea typeface="Arial" pitchFamily="34" charset="-122"/>
+                <a:cs typeface="Arial" pitchFamily="34" charset="-120"/>
+              </a:rPr>
+              <a:t>setView, layers } = useMap()</a:t>
+            </a:r>
+            <a:endParaRPr lang="en-US" sz="1500" dirty="0"/>
+          </a:p>
+        </p:txBody>
+      </p:sp>
+      <p:sp>
+        <p:nvSpPr>
+          <p:cNvPr id="10" name="Text 8"/>
+          <p:cNvSpPr/>
+          <p:nvPr/>
+        </p:nvSpPr>
+        <p:spPr>
+          <a:xfrm>
+            <a:off x="381000" y="2876550"/>
+            <a:ext cx="4002786" cy="266700"/>
+          </a:xfrm>
+          <a:prstGeom prst="rect">
+            <a:avLst/>
+          </a:prstGeom>
+          <a:noFill/>
+          <a:ln/>
+        </p:spPr>
+        <p:txBody>
+          <a:bodyPr wrap="square" lIns="0" tIns="0" rIns="0" bIns="0" rtlCol="0" anchor="t"/>
+          <a:lstStyle/>
+          <a:p>
+            <a:pPr algn="l" indent="0" marL="0">
+              <a:lnSpc>
+                <a:spcPts val="2100"/>
+              </a:lnSpc>
+              <a:spcBef>
+                <a:spcPts val="600"/>
+              </a:spcBef>
+              <a:buNone/>
+            </a:pPr>
+            <a:r>
+              <a:rPr lang="en-US" sz="1500" dirty="0">
+                <a:solidFill>
+                  <a:srgbClr val="94A3B8"/>
+                </a:solidFill>
+                <a:latin typeface="Arial" pitchFamily="34" charset="0"/>
+                <a:ea typeface="Arial" pitchFamily="34" charset="-122"/>
+                <a:cs typeface="Arial" pitchFamily="34" charset="-120"/>
+              </a:rPr>
+              <a:t>// Add trail to map</a:t>
+            </a:r>
+            <a:endParaRPr lang="en-US" sz="1500" dirty="0"/>
+          </a:p>
+        </p:txBody>
+      </p:sp>
+      <p:sp>
+        <p:nvSpPr>
+          <p:cNvPr id="11" name="Text 9"/>
+          <p:cNvSpPr/>
+          <p:nvPr/>
+        </p:nvSpPr>
+        <p:spPr>
+          <a:xfrm>
+            <a:off x="381000" y="3143250"/>
+            <a:ext cx="4002786" cy="266700"/>
+          </a:xfrm>
+          <a:prstGeom prst="rect">
+            <a:avLst/>
+          </a:prstGeom>
+          <a:noFill/>
+          <a:ln/>
+        </p:spPr>
+        <p:txBody>
+          <a:bodyPr wrap="square" lIns="0" tIns="0" rIns="0" bIns="0" rtlCol="0" anchor="t"/>
+          <a:lstStyle/>
+          <a:p>
+            <a:pPr algn="l" indent="0" marL="0">
+              <a:lnSpc>
+                <a:spcPts val="2100"/>
+              </a:lnSpc>
+              <a:buNone/>
+            </a:pPr>
+            <a:r>
+              <a:rPr lang="en-US" sz="1500" dirty="0">
+                <a:solidFill>
+                  <a:srgbClr val="F1F5F9"/>
+                </a:solidFill>
+                <a:latin typeface="Arial" pitchFamily="34" charset="0"/>
+                <a:ea typeface="Arial" pitchFamily="34" charset="-122"/>
+                <a:cs typeface="Arial" pitchFamily="34" charset="-120"/>
+              </a:rPr>
+              <a:t>addTrail(trailGeoJSON)</a:t>
+            </a:r>
+            <a:endParaRPr lang="en-US" sz="1500" dirty="0"/>
+          </a:p>
+        </p:txBody>
+      </p:sp>
+      <p:sp>
+        <p:nvSpPr>
+          <p:cNvPr id="12" name="Text 10"/>
+          <p:cNvSpPr/>
+          <p:nvPr/>
+        </p:nvSpPr>
+        <p:spPr>
+          <a:xfrm>
+            <a:off x="381000" y="3486150"/>
+            <a:ext cx="4002786" cy="266700"/>
+          </a:xfrm>
+          <a:prstGeom prst="rect">
+            <a:avLst/>
+          </a:prstGeom>
+          <a:noFill/>
+          <a:ln/>
+        </p:spPr>
+        <p:txBody>
+          <a:bodyPr wrap="square" lIns="0" tIns="0" rIns="0" bIns="0" rtlCol="0" anchor="t"/>
+          <a:lstStyle/>
+          <a:p>
+            <a:pPr algn="l" indent="0" marL="0">
+              <a:lnSpc>
+                <a:spcPts val="2100"/>
+              </a:lnSpc>
+              <a:spcBef>
+                <a:spcPts val="600"/>
+              </a:spcBef>
+              <a:buNone/>
+            </a:pPr>
+            <a:r>
+              <a:rPr lang="en-US" sz="1500" dirty="0">
+                <a:solidFill>
+                  <a:srgbClr val="94A3B8"/>
+                </a:solidFill>
+                <a:latin typeface="Arial" pitchFamily="34" charset="0"/>
+                <a:ea typeface="Arial" pitchFamily="34" charset="-122"/>
+                <a:cs typeface="Arial" pitchFamily="34" charset="-120"/>
+              </a:rPr>
+              <a:t>// Toggle layer visibility</a:t>
+            </a:r>
+            <a:endParaRPr lang="en-US" sz="1500" dirty="0"/>
+          </a:p>
+        </p:txBody>
+      </p:sp>
+      <p:sp>
+        <p:nvSpPr>
+          <p:cNvPr id="13" name="Text 11"/>
+          <p:cNvSpPr/>
+          <p:nvPr/>
+        </p:nvSpPr>
+        <p:spPr>
+          <a:xfrm>
+            <a:off x="381000" y="3752850"/>
+            <a:ext cx="4002786" cy="266700"/>
+          </a:xfrm>
+          <a:prstGeom prst="rect">
+            <a:avLst/>
+          </a:prstGeom>
+          <a:noFill/>
+          <a:ln/>
+        </p:spPr>
+        <p:txBody>
+          <a:bodyPr wrap="square" lIns="0" tIns="0" rIns="0" bIns="0" rtlCol="0" anchor="t"/>
+          <a:lstStyle/>
+          <a:p>
+            <a:pPr algn="l" indent="0" marL="0">
+              <a:lnSpc>
+                <a:spcPts val="2100"/>
+              </a:lnSpc>
+              <a:buNone/>
+            </a:pPr>
+            <a:r>
+              <a:rPr lang="en-US" sz="1500" dirty="0">
+                <a:solidFill>
+                  <a:srgbClr val="F1F5F9"/>
+                </a:solidFill>
+                <a:latin typeface="Arial" pitchFamily="34" charset="0"/>
+                <a:ea typeface="Arial" pitchFamily="34" charset="-122"/>
+                <a:cs typeface="Arial" pitchFamily="34" charset="-120"/>
+              </a:rPr>
+              <a:t>layers.toggle('elevation')</a:t>
+            </a:r>
+            <a:endParaRPr lang="en-US" sz="1500" dirty="0"/>
+          </a:p>
+        </p:txBody>
+      </p:sp>
+      <p:sp>
+        <p:nvSpPr>
+          <p:cNvPr id="14" name="Text 12"/>
+          <p:cNvSpPr/>
+          <p:nvPr/>
+        </p:nvSpPr>
+        <p:spPr>
+          <a:xfrm>
+            <a:off x="228600" y="4476750"/>
+            <a:ext cx="4313682" cy="159990"/>
+          </a:xfrm>
+          <a:prstGeom prst="rect">
+            <a:avLst/>
+          </a:prstGeom>
+          <a:noFill/>
+          <a:ln/>
+        </p:spPr>
+        <p:txBody>
+          <a:bodyPr wrap="square" lIns="0" tIns="0" rIns="0" bIns="0" rtlCol="0" anchor="t"/>
+          <a:lstStyle/>
+          <a:p>
+            <a:pPr algn="l" indent="0" marL="0">
+              <a:lnSpc>
+                <a:spcPts val="1260"/>
+              </a:lnSpc>
+              <a:spcBef>
+                <a:spcPts val="1200"/>
+              </a:spcBef>
+              <a:buNone/>
+            </a:pPr>
+            <a:r>
+              <a:rPr lang="en-US" sz="900" dirty="0">
+                <a:solidFill>
+                  <a:srgbClr val="94A3B8"/>
+                </a:solidFill>
+                <a:latin typeface="Arial" pitchFamily="34" charset="0"/>
+                <a:ea typeface="Arial" pitchFamily="34" charset="-122"/>
+                <a:cs typeface="Arial" pitchFamily="34" charset="-120"/>
+              </a:rPr>
+              <a:t>The useMap hook provides a clean React interface to the underlying map instance.</a:t>
+            </a:r>
+            <a:endParaRPr lang="en-US" sz="900" dirty="0"/>
+          </a:p>
+        </p:txBody>
+      </p:sp>
+      <p:pic>
+        <p:nvPicPr>
+          <p:cNvPr id="15" name="Image 0" descr="/tmp/rasterized-gradient-dde45275.png">    </p:cNvPr>
+          <p:cNvPicPr>
+            <a:picLocks noChangeAspect="1"/>
+          </p:cNvPicPr>
+          <p:nvPr/>
+        </p:nvPicPr>
+        <p:blipFill>
+          <a:blip r:embed="rId1"/>
+          <a:stretch>
+            <a:fillRect/>
+          </a:stretch>
+        </p:blipFill>
+        <p:spPr>
+          <a:xfrm>
+            <a:off x="4686300" y="1853803"/>
+            <a:ext cx="4229100" cy="651421"/>
+          </a:xfrm>
+          <a:prstGeom prst="rect">
+            <a:avLst/>
+          </a:prstGeom>
+        </p:spPr>
+      </p:pic>
+      <p:sp>
+        <p:nvSpPr>
+          <p:cNvPr id="16" name="Text 13"/>
+          <p:cNvSpPr/>
+          <p:nvPr/>
+        </p:nvSpPr>
+        <p:spPr>
+          <a:xfrm>
+            <a:off x="4819650" y="1987153"/>
+            <a:ext cx="4041648" cy="186630"/>
+          </a:xfrm>
+          <a:prstGeom prst="rect">
+            <a:avLst/>
+          </a:prstGeom>
+          <a:noFill/>
+          <a:ln/>
+        </p:spPr>
+        <p:txBody>
+          <a:bodyPr wrap="square" lIns="0" tIns="0" rIns="0" bIns="0" rtlCol="0" anchor="t"/>
+          <a:lstStyle/>
+          <a:p>
+            <a:pPr algn="l" indent="0" marL="0">
+              <a:lnSpc>
+                <a:spcPts val="1470"/>
+              </a:lnSpc>
+              <a:buNone/>
+            </a:pPr>
+            <a:r>
+              <a:rPr lang="en-US" sz="1050" b="1" dirty="0">
+                <a:solidFill>
+                  <a:srgbClr val="FFFFFF"/>
+                </a:solidFill>
+                <a:latin typeface="Arial" pitchFamily="34" charset="0"/>
+                <a:ea typeface="Arial" pitchFamily="34" charset="-122"/>
+                <a:cs typeface="Arial" pitchFamily="34" charset="-120"/>
+              </a:rPr>
+              <a:t>@trailradar/map</a:t>
+            </a:r>
+            <a:endParaRPr lang="en-US" sz="1050" dirty="0"/>
+          </a:p>
+        </p:txBody>
+      </p:sp>
+      <p:sp>
+        <p:nvSpPr>
+          <p:cNvPr id="17" name="Text 14"/>
+          <p:cNvSpPr/>
+          <p:nvPr/>
+        </p:nvSpPr>
+        <p:spPr>
+          <a:xfrm>
+            <a:off x="4819650" y="2211884"/>
+            <a:ext cx="4041648" cy="159990"/>
+          </a:xfrm>
+          <a:prstGeom prst="rect">
+            <a:avLst/>
+          </a:prstGeom>
+          <a:noFill/>
+          <a:ln/>
+        </p:spPr>
+        <p:txBody>
+          <a:bodyPr wrap="square" lIns="0" tIns="0" rIns="0" bIns="0" rtlCol="0" anchor="t"/>
+          <a:lstStyle/>
+          <a:p>
+            <a:pPr algn="l" indent="0" marL="0">
+              <a:lnSpc>
+                <a:spcPts val="1260"/>
+              </a:lnSpc>
+              <a:spcBef>
+                <a:spcPts val="300"/>
+              </a:spcBef>
+              <a:buNone/>
+            </a:pPr>
+            <a:r>
+              <a:rPr lang="en-US" sz="900" dirty="0">
+                <a:solidFill>
+                  <a:srgbClr val="FFFFFF">
+                    <a:alpha val="85000"/>
+                  </a:srgbClr>
+                </a:solidFill>
+                <a:latin typeface="Arial" pitchFamily="34" charset="0"/>
+                <a:ea typeface="Arial" pitchFamily="34" charset="-122"/>
+                <a:cs typeface="Arial" pitchFamily="34" charset="-120"/>
+              </a:rPr>
+              <a:t>Shared package wrapping Mapbox/MapLibre with TrailRadar-specific features</a:t>
+            </a:r>
+            <a:endParaRPr lang="en-US" sz="900" dirty="0"/>
+          </a:p>
+        </p:txBody>
+      </p:sp>
+      <p:sp>
+        <p:nvSpPr>
+          <p:cNvPr id="18" name="Text 15"/>
+          <p:cNvSpPr/>
+          <p:nvPr/>
+        </p:nvSpPr>
+        <p:spPr>
+          <a:xfrm>
+            <a:off x="4686300" y="2619524"/>
+            <a:ext cx="4229100" cy="624632"/>
+          </a:xfrm>
+          <a:prstGeom prst="roundRect">
+            <a:avLst>
+              <a:gd name="adj" fmla="val 9759"/>
+            </a:avLst>
+          </a:prstGeom>
+          <a:solidFill>
+            <a:srgbClr val="1E293B"/>
+          </a:solidFill>
+          <a:ln/>
+        </p:spPr>
+        <p:txBody>
+          <a:bodyPr wrap="square" rtlCol="0" anchor="ctr"/>
+          <a:lstStyle/>
+          <a:p>
+            <a:pPr indent="0" marL="0">
+              <a:buNone/>
+            </a:pPr>
+            <a:endParaRPr lang="en-US" dirty="0"/>
+          </a:p>
+        </p:txBody>
+      </p:sp>
+      <p:sp>
+        <p:nvSpPr>
+          <p:cNvPr id="19" name="Text 16"/>
+          <p:cNvSpPr/>
+          <p:nvPr/>
+        </p:nvSpPr>
+        <p:spPr>
+          <a:xfrm>
+            <a:off x="4819650" y="2752874"/>
+            <a:ext cx="4041648" cy="173236"/>
+          </a:xfrm>
+          <a:prstGeom prst="rect">
+            <a:avLst/>
+          </a:prstGeom>
+          <a:noFill/>
+          <a:ln/>
+        </p:spPr>
+        <p:txBody>
+          <a:bodyPr wrap="square" lIns="0" tIns="0" rIns="0" bIns="0" rtlCol="0" anchor="t"/>
+          <a:lstStyle/>
+          <a:p>
+            <a:pPr algn="l" indent="0" marL="0">
+              <a:lnSpc>
+                <a:spcPts val="1365"/>
+              </a:lnSpc>
+              <a:buNone/>
+            </a:pPr>
+            <a:r>
+              <a:rPr lang="en-US" sz="975" b="1" dirty="0">
+                <a:solidFill>
+                  <a:srgbClr val="F1F5F9"/>
+                </a:solidFill>
+                <a:latin typeface="Arial" pitchFamily="34" charset="0"/>
+                <a:ea typeface="Arial" pitchFamily="34" charset="-122"/>
+                <a:cs typeface="Arial" pitchFamily="34" charset="-120"/>
+              </a:rPr>
+              <a:t>Key Exports</a:t>
+            </a:r>
+            <a:endParaRPr lang="en-US" sz="975" dirty="0"/>
+          </a:p>
+        </p:txBody>
+      </p:sp>
+      <p:sp>
+        <p:nvSpPr>
+          <p:cNvPr id="20" name="Text 17"/>
+          <p:cNvSpPr/>
+          <p:nvPr/>
+        </p:nvSpPr>
+        <p:spPr>
+          <a:xfrm>
+            <a:off x="4819650" y="2964210"/>
+            <a:ext cx="4041648" cy="146596"/>
+          </a:xfrm>
+          <a:prstGeom prst="rect">
+            <a:avLst/>
+          </a:prstGeom>
+          <a:noFill/>
+          <a:ln/>
+        </p:spPr>
+        <p:txBody>
+          <a:bodyPr wrap="square" lIns="0" tIns="0" rIns="0" bIns="0" rtlCol="0" anchor="t"/>
+          <a:lstStyle/>
+          <a:p>
+            <a:pPr algn="l" indent="0" marL="0">
+              <a:lnSpc>
+                <a:spcPts val="1155"/>
+              </a:lnSpc>
+              <a:spcBef>
+                <a:spcPts val="300"/>
+              </a:spcBef>
+              <a:buNone/>
+            </a:pPr>
+            <a:r>
+              <a:rPr lang="en-US" sz="825" dirty="0">
+                <a:solidFill>
+                  <a:srgbClr val="94A3B8"/>
+                </a:solidFill>
+                <a:latin typeface="Arial" pitchFamily="34" charset="0"/>
+                <a:ea typeface="Arial" pitchFamily="34" charset="-122"/>
+                <a:cs typeface="Arial" pitchFamily="34" charset="-120"/>
+              </a:rPr>
+              <a:t>MapProvider, useMap, useLocation, useOfflineMaps, TrailLayer, MarkerCluster</a:t>
+            </a:r>
+            <a:endParaRPr lang="en-US" sz="825" dirty="0"/>
+          </a:p>
+        </p:txBody>
+      </p:sp>
+      <p:sp>
+        <p:nvSpPr>
+          <p:cNvPr id="21" name="Text 18"/>
+          <p:cNvSpPr/>
+          <p:nvPr/>
+        </p:nvSpPr>
+        <p:spPr>
+          <a:xfrm>
+            <a:off x="4686300" y="3358455"/>
+            <a:ext cx="4229100" cy="624632"/>
+          </a:xfrm>
+          <a:prstGeom prst="roundRect">
+            <a:avLst>
+              <a:gd name="adj" fmla="val 9759"/>
+            </a:avLst>
+          </a:prstGeom>
+          <a:solidFill>
+            <a:srgbClr val="1E293B"/>
+          </a:solidFill>
+          <a:ln/>
+        </p:spPr>
+        <p:txBody>
+          <a:bodyPr wrap="square" rtlCol="0" anchor="ctr"/>
+          <a:lstStyle/>
+          <a:p>
+            <a:pPr indent="0" marL="0">
+              <a:buNone/>
+            </a:pPr>
+            <a:endParaRPr lang="en-US" dirty="0"/>
+          </a:p>
+        </p:txBody>
+      </p:sp>
+      <p:sp>
+        <p:nvSpPr>
+          <p:cNvPr id="22" name="Text 19"/>
+          <p:cNvSpPr/>
+          <p:nvPr/>
+        </p:nvSpPr>
+        <p:spPr>
+          <a:xfrm>
+            <a:off x="4819650" y="3491805"/>
+            <a:ext cx="4041648" cy="173236"/>
+          </a:xfrm>
+          <a:prstGeom prst="rect">
+            <a:avLst/>
+          </a:prstGeom>
+          <a:noFill/>
+          <a:ln/>
+        </p:spPr>
+        <p:txBody>
+          <a:bodyPr wrap="square" lIns="0" tIns="0" rIns="0" bIns="0" rtlCol="0" anchor="t"/>
+          <a:lstStyle/>
+          <a:p>
+            <a:pPr algn="l" indent="0" marL="0">
+              <a:lnSpc>
+                <a:spcPts val="1365"/>
+              </a:lnSpc>
+              <a:buNone/>
+            </a:pPr>
+            <a:r>
+              <a:rPr lang="en-US" sz="975" b="1" dirty="0">
+                <a:solidFill>
+                  <a:srgbClr val="F1F5F9"/>
+                </a:solidFill>
+                <a:latin typeface="Arial" pitchFamily="34" charset="0"/>
+                <a:ea typeface="Arial" pitchFamily="34" charset="-122"/>
+                <a:cs typeface="Arial" pitchFamily="34" charset="-120"/>
+              </a:rPr>
+              <a:t>State Management</a:t>
+            </a:r>
+            <a:endParaRPr lang="en-US" sz="975" dirty="0"/>
+          </a:p>
+        </p:txBody>
+      </p:sp>
+      <p:sp>
+        <p:nvSpPr>
+          <p:cNvPr id="23" name="Text 20"/>
+          <p:cNvSpPr/>
+          <p:nvPr/>
+        </p:nvSpPr>
+        <p:spPr>
+          <a:xfrm>
+            <a:off x="4819650" y="3703141"/>
+            <a:ext cx="4041648" cy="146596"/>
+          </a:xfrm>
+          <a:prstGeom prst="rect">
+            <a:avLst/>
+          </a:prstGeom>
+          <a:noFill/>
+          <a:ln/>
+        </p:spPr>
+        <p:txBody>
+          <a:bodyPr wrap="square" lIns="0" tIns="0" rIns="0" bIns="0" rtlCol="0" anchor="t"/>
+          <a:lstStyle/>
+          <a:p>
+            <a:pPr algn="l" indent="0" marL="0">
+              <a:lnSpc>
+                <a:spcPts val="1155"/>
+              </a:lnSpc>
+              <a:spcBef>
+                <a:spcPts val="300"/>
+              </a:spcBef>
+              <a:buNone/>
+            </a:pPr>
+            <a:r>
+              <a:rPr lang="en-US" sz="825" dirty="0">
+                <a:solidFill>
+                  <a:srgbClr val="94A3B8"/>
+                </a:solidFill>
+                <a:latin typeface="Arial" pitchFamily="34" charset="0"/>
+                <a:ea typeface="Arial" pitchFamily="34" charset="-122"/>
+                <a:cs typeface="Arial" pitchFamily="34" charset="-120"/>
+              </a:rPr>
+              <a:t>Map state synced with React via context. Viewport, selected trail, and active layers.</a:t>
+            </a:r>
+            <a:endParaRPr lang="en-US" sz="825" dirty="0"/>
+          </a:p>
+        </p:txBody>
+      </p:sp>
+    </p:spTree>
+  </p:cSld>
+  <p:clrMapOvr>
+    <a:masterClrMapping/>
+  </p:clrMapOvr>
+</p:sld>
+</file>
+
+<file path=ppt/slides/slide18.xml><?xml version="1.0" encoding="utf-8"?>
+<p:sld xmlns:a="http://schemas.openxmlformats.org/drawingml/2006/main" xmlns:r="http://schemas.openxmlformats.org/officeDocument/2006/relationships" xmlns:p="http://schemas.openxmlformats.org/presentationml/2006/main">
+  <p:cSld name="Slide 18">
+    <p:bg>
+      <p:bgPr>
+        <a:solidFill>
+          <a:srgbClr val="0F172A"/>
+        </a:solidFill>
+      </p:bgPr>
+    </p:bg>
+    <p:spTree>
+      <p:nvGrpSpPr>
+        <p:cNvPr id="1" name=""/>
+        <p:cNvGrpSpPr/>
+        <p:nvPr/>
+      </p:nvGrpSpPr>
+      <p:grpSpPr>
+        <a:xfrm>
+          <a:off x="0" y="0"/>
+          <a:ext cx="0" cy="0"/>
+          <a:chOff x="0" y="0"/>
+          <a:chExt cx="0" cy="0"/>
+        </a:xfrm>
+      </p:grpSpPr>
+      <p:sp>
+        <p:nvSpPr>
+          <p:cNvPr id="2" name="Text 0"/>
+          <p:cNvSpPr/>
+          <p:nvPr/>
+        </p:nvSpPr>
+        <p:spPr>
+          <a:xfrm>
+            <a:off x="228600" y="228600"/>
+            <a:ext cx="8860536" cy="159990"/>
+          </a:xfrm>
+          <a:prstGeom prst="rect">
+            <a:avLst/>
+          </a:prstGeom>
+          <a:noFill/>
+          <a:ln/>
+        </p:spPr>
+        <p:txBody>
+          <a:bodyPr wrap="square" lIns="0" tIns="0" rIns="0" bIns="0" rtlCol="0" anchor="t"/>
+          <a:lstStyle/>
+          <a:p>
+            <a:pPr algn="l" indent="0" marL="0">
+              <a:lnSpc>
+                <a:spcPts val="1260"/>
+              </a:lnSpc>
+              <a:spcAft>
+                <a:spcPts val="300"/>
+              </a:spcAft>
+              <a:buNone/>
+            </a:pPr>
+            <a:r>
+              <a:rPr lang="en-US" sz="900" b="1" dirty="0">
+                <a:solidFill>
+                  <a:srgbClr val="14B8A6"/>
+                </a:solidFill>
+                <a:latin typeface="Arial" pitchFamily="34" charset="0"/>
+                <a:ea typeface="Arial" pitchFamily="34" charset="-122"/>
+                <a:cs typeface="Arial" pitchFamily="34" charset="-120"/>
+              </a:rPr>
+              <a:t>07 - MAP LIBRARY</a:t>
+            </a:r>
+            <a:endParaRPr lang="en-US" sz="900" dirty="0"/>
+          </a:p>
+        </p:txBody>
+      </p:sp>
+      <p:sp>
+        <p:nvSpPr>
+          <p:cNvPr id="3" name="Text 1"/>
+          <p:cNvSpPr/>
+          <p:nvPr/>
+        </p:nvSpPr>
+        <p:spPr>
+          <a:xfrm>
+            <a:off x="228600" y="426690"/>
+            <a:ext cx="4439984" cy="342900"/>
+          </a:xfrm>
+          <a:prstGeom prst="rect">
+            <a:avLst/>
+          </a:prstGeom>
+          <a:noFill/>
+          <a:ln/>
+        </p:spPr>
+        <p:txBody>
+          <a:bodyPr wrap="square" lIns="0" tIns="0" rIns="0" bIns="0" rtlCol="0" anchor="t"/>
+          <a:lstStyle/>
+          <a:p>
+            <a:pPr algn="l" indent="0" marL="0">
+              <a:lnSpc>
+                <a:spcPts val="2700"/>
+              </a:lnSpc>
+              <a:buNone/>
+            </a:pPr>
+            <a:r>
+              <a:rPr lang="en-US" sz="2700" b="1" dirty="0">
+                <a:solidFill>
+                  <a:srgbClr val="F1F5F9"/>
+                </a:solidFill>
+                <a:latin typeface="Arial" pitchFamily="34" charset="0"/>
+                <a:ea typeface="Arial" pitchFamily="34" charset="-122"/>
+                <a:cs typeface="Arial" pitchFamily="34" charset="-120"/>
+              </a:rPr>
+              <a:t>Backend and APIs</a:t>
+            </a:r>
+            <a:endParaRPr lang="en-US" sz="2700" dirty="0"/>
+          </a:p>
+        </p:txBody>
+      </p:sp>
+      <p:sp>
+        <p:nvSpPr>
+          <p:cNvPr id="4" name="Text 2"/>
+          <p:cNvSpPr/>
+          <p:nvPr/>
+        </p:nvSpPr>
+        <p:spPr>
+          <a:xfrm>
+            <a:off x="228600" y="1937593"/>
+            <a:ext cx="952500" cy="388590"/>
+          </a:xfrm>
+          <a:prstGeom prst="roundRect">
+            <a:avLst>
+              <a:gd name="adj" fmla="val 15687"/>
+            </a:avLst>
+          </a:prstGeom>
+          <a:solidFill>
+            <a:srgbClr val="14B8A6"/>
+          </a:solidFill>
+          <a:ln/>
+        </p:spPr>
+        <p:txBody>
+          <a:bodyPr wrap="square" rtlCol="0" anchor="ctr"/>
+          <a:lstStyle/>
+          <a:p>
+            <a:pPr indent="0" marL="0">
+              <a:buNone/>
+            </a:pPr>
+            <a:endParaRPr lang="en-US" dirty="0"/>
+          </a:p>
+        </p:txBody>
+      </p:sp>
+      <p:sp>
+        <p:nvSpPr>
+          <p:cNvPr id="5" name="Text 3"/>
+          <p:cNvSpPr/>
+          <p:nvPr/>
+        </p:nvSpPr>
+        <p:spPr>
+          <a:xfrm>
+            <a:off x="374523" y="2051893"/>
+            <a:ext cx="660654" cy="159990"/>
+          </a:xfrm>
+          <a:prstGeom prst="rect">
+            <a:avLst/>
+          </a:prstGeom>
+          <a:noFill/>
+          <a:ln/>
+        </p:spPr>
+        <p:txBody>
+          <a:bodyPr wrap="square" lIns="0" tIns="0" rIns="0" bIns="0" rtlCol="0" anchor="t"/>
+          <a:lstStyle/>
+          <a:p>
+            <a:pPr algn="ctr" indent="0" marL="0">
+              <a:lnSpc>
+                <a:spcPts val="1260"/>
+              </a:lnSpc>
+              <a:buNone/>
+            </a:pPr>
+            <a:r>
+              <a:rPr lang="en-US" sz="900" b="1" dirty="0">
+                <a:solidFill>
+                  <a:srgbClr val="FFFFFF"/>
+                </a:solidFill>
+                <a:latin typeface="Arial" pitchFamily="34" charset="0"/>
+                <a:ea typeface="Arial" pitchFamily="34" charset="-122"/>
+                <a:cs typeface="Arial" pitchFamily="34" charset="-120"/>
+              </a:rPr>
+              <a:t>Map Client</a:t>
+            </a:r>
+            <a:endParaRPr lang="en-US" sz="900" dirty="0"/>
+          </a:p>
+        </p:txBody>
+      </p:sp>
+      <p:sp>
+        <p:nvSpPr>
+          <p:cNvPr id="6" name="Text 4"/>
+          <p:cNvSpPr/>
+          <p:nvPr/>
+        </p:nvSpPr>
+        <p:spPr>
+          <a:xfrm>
+            <a:off x="1333500" y="2025253"/>
+            <a:ext cx="142545" cy="213271"/>
+          </a:xfrm>
+          <a:prstGeom prst="rect">
+            <a:avLst/>
+          </a:prstGeom>
+          <a:noFill/>
+          <a:ln/>
+        </p:spPr>
+        <p:txBody>
+          <a:bodyPr wrap="square" lIns="0" tIns="0" rIns="0" bIns="0" rtlCol="0" anchor="t"/>
+          <a:lstStyle/>
+          <a:p>
+            <a:pPr algn="l" indent="0" marL="0">
+              <a:lnSpc>
+                <a:spcPts val="1680"/>
+              </a:lnSpc>
+              <a:buNone/>
+            </a:pPr>
+            <a:r>
+              <a:rPr lang="en-US" sz="1200" dirty="0">
+                <a:solidFill>
+                  <a:srgbClr val="94A3B8"/>
+                </a:solidFill>
+                <a:latin typeface="Arial" pitchFamily="34" charset="0"/>
+                <a:ea typeface="Arial" pitchFamily="34" charset="-122"/>
+                <a:cs typeface="Arial" pitchFamily="34" charset="-120"/>
+              </a:rPr>
+              <a:t>-&gt;</a:t>
+            </a:r>
+            <a:endParaRPr lang="en-US" sz="1200" dirty="0"/>
+          </a:p>
+        </p:txBody>
+      </p:sp>
+      <p:sp>
+        <p:nvSpPr>
+          <p:cNvPr id="7" name="Text 5"/>
+          <p:cNvSpPr/>
+          <p:nvPr/>
+        </p:nvSpPr>
+        <p:spPr>
+          <a:xfrm>
+            <a:off x="1625650" y="1918543"/>
+            <a:ext cx="1143000" cy="426690"/>
+          </a:xfrm>
+          <a:prstGeom prst="roundRect">
+            <a:avLst>
+              <a:gd name="adj" fmla="val 14287"/>
+            </a:avLst>
+          </a:prstGeom>
+          <a:solidFill>
+            <a:srgbClr val="1E293B"/>
+          </a:solidFill>
+          <a:ln w="19050">
+            <a:solidFill>
+              <a:srgbClr val="475569"/>
+            </a:solidFill>
+          </a:ln>
+        </p:spPr>
+        <p:txBody>
+          <a:bodyPr wrap="square" rtlCol="0" anchor="ctr"/>
+          <a:lstStyle/>
+          <a:p>
+            <a:pPr indent="0" marL="0">
+              <a:buNone/>
+            </a:pPr>
+            <a:endParaRPr lang="en-US" dirty="0"/>
+          </a:p>
+        </p:txBody>
+      </p:sp>
+      <p:sp>
+        <p:nvSpPr>
+          <p:cNvPr id="8" name="Text 6"/>
+          <p:cNvSpPr/>
+          <p:nvPr/>
+        </p:nvSpPr>
+        <p:spPr>
+          <a:xfrm>
+            <a:off x="1789099" y="2051893"/>
+            <a:ext cx="816102" cy="159990"/>
+          </a:xfrm>
+          <a:prstGeom prst="rect">
+            <a:avLst/>
+          </a:prstGeom>
+          <a:noFill/>
+          <a:ln/>
+        </p:spPr>
+        <p:txBody>
+          <a:bodyPr wrap="square" lIns="0" tIns="0" rIns="0" bIns="0" rtlCol="0" anchor="t"/>
+          <a:lstStyle/>
+          <a:p>
+            <a:pPr algn="ctr" indent="0" marL="0">
+              <a:lnSpc>
+                <a:spcPts val="1260"/>
+              </a:lnSpc>
+              <a:buNone/>
+            </a:pPr>
+            <a:r>
+              <a:rPr lang="en-US" sz="900" b="1" dirty="0">
+                <a:solidFill>
+                  <a:srgbClr val="F1F5F9"/>
+                </a:solidFill>
+                <a:latin typeface="Arial" pitchFamily="34" charset="0"/>
+                <a:ea typeface="Arial" pitchFamily="34" charset="-122"/>
+                <a:cs typeface="Arial" pitchFamily="34" charset="-120"/>
+              </a:rPr>
+              <a:t>Supabase API</a:t>
+            </a:r>
+            <a:endParaRPr lang="en-US" sz="900" dirty="0"/>
+          </a:p>
+        </p:txBody>
+      </p:sp>
+      <p:sp>
+        <p:nvSpPr>
+          <p:cNvPr id="9" name="Text 7"/>
+          <p:cNvSpPr/>
+          <p:nvPr/>
+        </p:nvSpPr>
+        <p:spPr>
+          <a:xfrm>
+            <a:off x="2921050" y="2025253"/>
+            <a:ext cx="142545" cy="213271"/>
+          </a:xfrm>
+          <a:prstGeom prst="rect">
+            <a:avLst/>
+          </a:prstGeom>
+          <a:noFill/>
+          <a:ln/>
+        </p:spPr>
+        <p:txBody>
+          <a:bodyPr wrap="square" lIns="0" tIns="0" rIns="0" bIns="0" rtlCol="0" anchor="t"/>
+          <a:lstStyle/>
+          <a:p>
+            <a:pPr algn="l" indent="0" marL="0">
+              <a:lnSpc>
+                <a:spcPts val="1680"/>
+              </a:lnSpc>
+              <a:buNone/>
+            </a:pPr>
+            <a:r>
+              <a:rPr lang="en-US" sz="1200" dirty="0">
+                <a:solidFill>
+                  <a:srgbClr val="94A3B8"/>
+                </a:solidFill>
+                <a:latin typeface="Arial" pitchFamily="34" charset="0"/>
+                <a:ea typeface="Arial" pitchFamily="34" charset="-122"/>
+                <a:cs typeface="Arial" pitchFamily="34" charset="-120"/>
+              </a:rPr>
+              <a:t>-&gt;</a:t>
+            </a:r>
+            <a:endParaRPr lang="en-US" sz="1200" dirty="0"/>
+          </a:p>
+        </p:txBody>
+      </p:sp>
+      <p:sp>
+        <p:nvSpPr>
+          <p:cNvPr id="10" name="Text 8"/>
+          <p:cNvSpPr/>
+          <p:nvPr/>
+        </p:nvSpPr>
+        <p:spPr>
+          <a:xfrm>
+            <a:off x="3213199" y="1937593"/>
+            <a:ext cx="952500" cy="388590"/>
+          </a:xfrm>
+          <a:prstGeom prst="roundRect">
+            <a:avLst>
+              <a:gd name="adj" fmla="val 15687"/>
+            </a:avLst>
+          </a:prstGeom>
+          <a:solidFill>
+            <a:srgbClr val="3ECF8E"/>
+          </a:solidFill>
+          <a:ln/>
+        </p:spPr>
+        <p:txBody>
+          <a:bodyPr wrap="square" rtlCol="0" anchor="ctr"/>
+          <a:lstStyle/>
+          <a:p>
+            <a:pPr indent="0" marL="0">
+              <a:buNone/>
+            </a:pPr>
+            <a:endParaRPr lang="en-US" dirty="0"/>
+          </a:p>
+        </p:txBody>
+      </p:sp>
+      <p:sp>
+        <p:nvSpPr>
+          <p:cNvPr id="11" name="Text 9"/>
+          <p:cNvSpPr/>
+          <p:nvPr/>
+        </p:nvSpPr>
+        <p:spPr>
+          <a:xfrm>
+            <a:off x="3359122" y="2051893"/>
+            <a:ext cx="660654" cy="159990"/>
+          </a:xfrm>
+          <a:prstGeom prst="rect">
+            <a:avLst/>
+          </a:prstGeom>
+          <a:noFill/>
+          <a:ln/>
+        </p:spPr>
+        <p:txBody>
+          <a:bodyPr wrap="square" lIns="0" tIns="0" rIns="0" bIns="0" rtlCol="0" anchor="t"/>
+          <a:lstStyle/>
+          <a:p>
+            <a:pPr algn="ctr" indent="0" marL="0">
+              <a:lnSpc>
+                <a:spcPts val="1260"/>
+              </a:lnSpc>
+              <a:buNone/>
+            </a:pPr>
+            <a:r>
+              <a:rPr lang="en-US" sz="900" b="1" dirty="0">
+                <a:solidFill>
+                  <a:srgbClr val="FFFFFF"/>
+                </a:solidFill>
+                <a:latin typeface="Arial" pitchFamily="34" charset="0"/>
+                <a:ea typeface="Arial" pitchFamily="34" charset="-122"/>
+                <a:cs typeface="Arial" pitchFamily="34" charset="-120"/>
+              </a:rPr>
+              <a:t>PostGIS</a:t>
+            </a:r>
+            <a:endParaRPr lang="en-US" sz="900" dirty="0"/>
+          </a:p>
+        </p:txBody>
+      </p:sp>
+      <p:sp>
+        <p:nvSpPr>
+          <p:cNvPr id="12" name="Text 10"/>
+          <p:cNvSpPr/>
+          <p:nvPr/>
+        </p:nvSpPr>
+        <p:spPr>
+          <a:xfrm>
+            <a:off x="228600" y="2573834"/>
+            <a:ext cx="4267200" cy="624632"/>
+          </a:xfrm>
+          <a:prstGeom prst="roundRect">
+            <a:avLst>
+              <a:gd name="adj" fmla="val 9759"/>
+            </a:avLst>
+          </a:prstGeom>
+          <a:solidFill>
+            <a:srgbClr val="1E293B"/>
+          </a:solidFill>
+          <a:ln/>
+        </p:spPr>
+        <p:txBody>
+          <a:bodyPr wrap="square" rtlCol="0" anchor="ctr"/>
+          <a:lstStyle/>
+          <a:p>
+            <a:pPr indent="0" marL="0">
+              <a:buNone/>
+            </a:pPr>
+            <a:endParaRPr lang="en-US" dirty="0"/>
+          </a:p>
+        </p:txBody>
+      </p:sp>
+      <p:sp>
+        <p:nvSpPr>
+          <p:cNvPr id="13" name="Shape 11"/>
+          <p:cNvSpPr/>
+          <p:nvPr/>
+        </p:nvSpPr>
+        <p:spPr>
+          <a:xfrm>
+            <a:off x="247650" y="2573834"/>
+            <a:ext cx="0" cy="624632"/>
+          </a:xfrm>
+          <a:prstGeom prst="line">
+            <a:avLst/>
+          </a:prstGeom>
+          <a:noFill/>
+          <a:ln w="38100">
+            <a:solidFill>
+              <a:srgbClr val="14B8A6"/>
+            </a:solidFill>
+            <a:prstDash val="solid"/>
+          </a:ln>
+        </p:spPr>
+      </p:sp>
+      <p:sp>
+        <p:nvSpPr>
+          <p:cNvPr id="14" name="Text 12"/>
+          <p:cNvSpPr/>
+          <p:nvPr/>
+        </p:nvSpPr>
+        <p:spPr>
+          <a:xfrm>
+            <a:off x="400050" y="2707184"/>
+            <a:ext cx="4041648" cy="173236"/>
+          </a:xfrm>
+          <a:prstGeom prst="rect">
+            <a:avLst/>
+          </a:prstGeom>
+          <a:noFill/>
+          <a:ln/>
+        </p:spPr>
+        <p:txBody>
+          <a:bodyPr wrap="square" lIns="0" tIns="0" rIns="0" bIns="0" rtlCol="0" anchor="t"/>
+          <a:lstStyle/>
+          <a:p>
+            <a:pPr algn="l" indent="0" marL="0">
+              <a:lnSpc>
+                <a:spcPts val="1365"/>
+              </a:lnSpc>
+              <a:buNone/>
+            </a:pPr>
+            <a:r>
+              <a:rPr lang="en-US" sz="975" b="1" dirty="0">
+                <a:solidFill>
+                  <a:srgbClr val="14B8A6"/>
+                </a:solidFill>
+                <a:latin typeface="Arial" pitchFamily="34" charset="0"/>
+                <a:ea typeface="Arial" pitchFamily="34" charset="-122"/>
+                <a:cs typeface="Arial" pitchFamily="34" charset="-120"/>
+              </a:rPr>
+              <a:t>Tile Server API</a:t>
+            </a:r>
+            <a:endParaRPr lang="en-US" sz="975" dirty="0"/>
+          </a:p>
+        </p:txBody>
+      </p:sp>
+      <p:sp>
+        <p:nvSpPr>
+          <p:cNvPr id="15" name="Text 13"/>
+          <p:cNvSpPr/>
+          <p:nvPr/>
+        </p:nvSpPr>
+        <p:spPr>
+          <a:xfrm>
+            <a:off x="400050" y="2918520"/>
+            <a:ext cx="4041648" cy="146596"/>
+          </a:xfrm>
+          <a:prstGeom prst="rect">
+            <a:avLst/>
+          </a:prstGeom>
+          <a:noFill/>
+          <a:ln/>
+        </p:spPr>
+        <p:txBody>
+          <a:bodyPr wrap="square" lIns="0" tIns="0" rIns="0" bIns="0" rtlCol="0" anchor="t"/>
+          <a:lstStyle/>
+          <a:p>
+            <a:pPr algn="l" indent="0" marL="0">
+              <a:lnSpc>
+                <a:spcPts val="1155"/>
+              </a:lnSpc>
+              <a:spcBef>
+                <a:spcPts val="300"/>
+              </a:spcBef>
+              <a:buNone/>
+            </a:pPr>
+            <a:r>
+              <a:rPr lang="en-US" sz="825" dirty="0">
+                <a:solidFill>
+                  <a:srgbClr val="94A3B8"/>
+                </a:solidFill>
+                <a:latin typeface="Arial" pitchFamily="34" charset="0"/>
+                <a:ea typeface="Arial" pitchFamily="34" charset="-122"/>
+                <a:cs typeface="Arial" pitchFamily="34" charset="-120"/>
+              </a:rPr>
+              <a:t>Mapbox/MapTiler for base map vector tiles. Styled terrain, roads, and labels.</a:t>
+            </a:r>
+            <a:endParaRPr lang="en-US" sz="825" dirty="0"/>
+          </a:p>
+        </p:txBody>
+      </p:sp>
+      <p:sp>
+        <p:nvSpPr>
+          <p:cNvPr id="16" name="Text 14"/>
+          <p:cNvSpPr/>
+          <p:nvPr/>
+        </p:nvSpPr>
+        <p:spPr>
+          <a:xfrm>
+            <a:off x="228600" y="3293715"/>
+            <a:ext cx="4267200" cy="624632"/>
+          </a:xfrm>
+          <a:prstGeom prst="roundRect">
+            <a:avLst>
+              <a:gd name="adj" fmla="val 9759"/>
+            </a:avLst>
+          </a:prstGeom>
+          <a:solidFill>
+            <a:srgbClr val="1E293B"/>
+          </a:solidFill>
+          <a:ln/>
+        </p:spPr>
+        <p:txBody>
+          <a:bodyPr wrap="square" rtlCol="0" anchor="ctr"/>
+          <a:lstStyle/>
+          <a:p>
+            <a:pPr indent="0" marL="0">
+              <a:buNone/>
+            </a:pPr>
+            <a:endParaRPr lang="en-US" dirty="0"/>
+          </a:p>
+        </p:txBody>
+      </p:sp>
+      <p:sp>
+        <p:nvSpPr>
+          <p:cNvPr id="17" name="Shape 15"/>
+          <p:cNvSpPr/>
+          <p:nvPr/>
+        </p:nvSpPr>
+        <p:spPr>
+          <a:xfrm>
+            <a:off x="247650" y="3293715"/>
+            <a:ext cx="0" cy="624632"/>
+          </a:xfrm>
+          <a:prstGeom prst="line">
+            <a:avLst/>
+          </a:prstGeom>
+          <a:noFill/>
+          <a:ln w="38100">
+            <a:solidFill>
+              <a:srgbClr val="14B8A6"/>
+            </a:solidFill>
+            <a:prstDash val="solid"/>
+          </a:ln>
+        </p:spPr>
+      </p:sp>
+      <p:sp>
+        <p:nvSpPr>
+          <p:cNvPr id="18" name="Text 16"/>
+          <p:cNvSpPr/>
+          <p:nvPr/>
+        </p:nvSpPr>
+        <p:spPr>
+          <a:xfrm>
+            <a:off x="400050" y="3427065"/>
+            <a:ext cx="4041648" cy="173236"/>
+          </a:xfrm>
+          <a:prstGeom prst="rect">
+            <a:avLst/>
+          </a:prstGeom>
+          <a:noFill/>
+          <a:ln/>
+        </p:spPr>
+        <p:txBody>
+          <a:bodyPr wrap="square" lIns="0" tIns="0" rIns="0" bIns="0" rtlCol="0" anchor="t"/>
+          <a:lstStyle/>
+          <a:p>
+            <a:pPr algn="l" indent="0" marL="0">
+              <a:lnSpc>
+                <a:spcPts val="1365"/>
+              </a:lnSpc>
+              <a:buNone/>
+            </a:pPr>
+            <a:r>
+              <a:rPr lang="en-US" sz="975" b="1" dirty="0">
+                <a:solidFill>
+                  <a:srgbClr val="14B8A6"/>
+                </a:solidFill>
+                <a:latin typeface="Arial" pitchFamily="34" charset="0"/>
+                <a:ea typeface="Arial" pitchFamily="34" charset="-122"/>
+                <a:cs typeface="Arial" pitchFamily="34" charset="-120"/>
+              </a:rPr>
+              <a:t>Trail Data API</a:t>
+            </a:r>
+            <a:endParaRPr lang="en-US" sz="975" dirty="0"/>
+          </a:p>
+        </p:txBody>
+      </p:sp>
+      <p:sp>
+        <p:nvSpPr>
+          <p:cNvPr id="19" name="Text 17"/>
+          <p:cNvSpPr/>
+          <p:nvPr/>
+        </p:nvSpPr>
+        <p:spPr>
+          <a:xfrm>
+            <a:off x="400050" y="3638401"/>
+            <a:ext cx="4041648" cy="146596"/>
+          </a:xfrm>
+          <a:prstGeom prst="rect">
+            <a:avLst/>
+          </a:prstGeom>
+          <a:noFill/>
+          <a:ln/>
+        </p:spPr>
+        <p:txBody>
+          <a:bodyPr wrap="square" lIns="0" tIns="0" rIns="0" bIns="0" rtlCol="0" anchor="t"/>
+          <a:lstStyle/>
+          <a:p>
+            <a:pPr algn="l" indent="0" marL="0">
+              <a:lnSpc>
+                <a:spcPts val="1155"/>
+              </a:lnSpc>
+              <a:spcBef>
+                <a:spcPts val="300"/>
+              </a:spcBef>
+              <a:buNone/>
+            </a:pPr>
+            <a:r>
+              <a:rPr lang="en-US" sz="825" dirty="0">
+                <a:solidFill>
+                  <a:srgbClr val="94A3B8"/>
+                </a:solidFill>
+                <a:latin typeface="Arial" pitchFamily="34" charset="0"/>
+                <a:ea typeface="Arial" pitchFamily="34" charset="-122"/>
+                <a:cs typeface="Arial" pitchFamily="34" charset="-120"/>
+              </a:rPr>
+              <a:t>Supabase REST/RPC endpoints return GeoJSON trails filtered by bounding box.</a:t>
+            </a:r>
+            <a:endParaRPr lang="en-US" sz="825" dirty="0"/>
+          </a:p>
+        </p:txBody>
+      </p:sp>
+      <p:sp>
+        <p:nvSpPr>
+          <p:cNvPr id="20" name="Text 18"/>
+          <p:cNvSpPr/>
+          <p:nvPr/>
+        </p:nvSpPr>
+        <p:spPr>
+          <a:xfrm>
+            <a:off x="4648200" y="2573834"/>
+            <a:ext cx="4267200" cy="624632"/>
+          </a:xfrm>
+          <a:prstGeom prst="roundRect">
+            <a:avLst>
+              <a:gd name="adj" fmla="val 9759"/>
+            </a:avLst>
+          </a:prstGeom>
+          <a:solidFill>
+            <a:srgbClr val="1E293B"/>
+          </a:solidFill>
+          <a:ln/>
+        </p:spPr>
+        <p:txBody>
+          <a:bodyPr wrap="square" rtlCol="0" anchor="ctr"/>
+          <a:lstStyle/>
+          <a:p>
+            <a:pPr indent="0" marL="0">
+              <a:buNone/>
+            </a:pPr>
+            <a:endParaRPr lang="en-US" dirty="0"/>
+          </a:p>
+        </p:txBody>
+      </p:sp>
+      <p:sp>
+        <p:nvSpPr>
+          <p:cNvPr id="21" name="Shape 19"/>
+          <p:cNvSpPr/>
+          <p:nvPr/>
+        </p:nvSpPr>
+        <p:spPr>
+          <a:xfrm>
+            <a:off x="4667250" y="2573834"/>
+            <a:ext cx="0" cy="624632"/>
+          </a:xfrm>
+          <a:prstGeom prst="line">
+            <a:avLst/>
+          </a:prstGeom>
+          <a:noFill/>
+          <a:ln w="38100">
+            <a:solidFill>
+              <a:srgbClr val="F97316"/>
+            </a:solidFill>
+            <a:prstDash val="solid"/>
+          </a:ln>
+        </p:spPr>
+      </p:sp>
+      <p:sp>
+        <p:nvSpPr>
+          <p:cNvPr id="22" name="Text 20"/>
+          <p:cNvSpPr/>
+          <p:nvPr/>
+        </p:nvSpPr>
+        <p:spPr>
+          <a:xfrm>
+            <a:off x="4819650" y="2707184"/>
+            <a:ext cx="4041648" cy="173236"/>
+          </a:xfrm>
+          <a:prstGeom prst="rect">
+            <a:avLst/>
+          </a:prstGeom>
+          <a:noFill/>
+          <a:ln/>
+        </p:spPr>
+        <p:txBody>
+          <a:bodyPr wrap="square" lIns="0" tIns="0" rIns="0" bIns="0" rtlCol="0" anchor="t"/>
+          <a:lstStyle/>
+          <a:p>
+            <a:pPr algn="l" indent="0" marL="0">
+              <a:lnSpc>
+                <a:spcPts val="1365"/>
+              </a:lnSpc>
+              <a:buNone/>
+            </a:pPr>
+            <a:r>
+              <a:rPr lang="en-US" sz="975" b="1" dirty="0">
+                <a:solidFill>
+                  <a:srgbClr val="F97316"/>
+                </a:solidFill>
+                <a:latin typeface="Arial" pitchFamily="34" charset="0"/>
+                <a:ea typeface="Arial" pitchFamily="34" charset="-122"/>
+                <a:cs typeface="Arial" pitchFamily="34" charset="-120"/>
+              </a:rPr>
+              <a:t>Elevation API</a:t>
+            </a:r>
+            <a:endParaRPr lang="en-US" sz="975" dirty="0"/>
+          </a:p>
+        </p:txBody>
+      </p:sp>
+      <p:sp>
+        <p:nvSpPr>
+          <p:cNvPr id="23" name="Text 21"/>
+          <p:cNvSpPr/>
+          <p:nvPr/>
+        </p:nvSpPr>
+        <p:spPr>
+          <a:xfrm>
+            <a:off x="4819650" y="2918520"/>
+            <a:ext cx="4041648" cy="146596"/>
+          </a:xfrm>
+          <a:prstGeom prst="rect">
+            <a:avLst/>
+          </a:prstGeom>
+          <a:noFill/>
+          <a:ln/>
+        </p:spPr>
+        <p:txBody>
+          <a:bodyPr wrap="square" lIns="0" tIns="0" rIns="0" bIns="0" rtlCol="0" anchor="t"/>
+          <a:lstStyle/>
+          <a:p>
+            <a:pPr algn="l" indent="0" marL="0">
+              <a:lnSpc>
+                <a:spcPts val="1155"/>
+              </a:lnSpc>
+              <a:spcBef>
+                <a:spcPts val="300"/>
+              </a:spcBef>
+              <a:buNone/>
+            </a:pPr>
+            <a:r>
+              <a:rPr lang="en-US" sz="825" dirty="0">
+                <a:solidFill>
+                  <a:srgbClr val="94A3B8"/>
+                </a:solidFill>
+                <a:latin typeface="Arial" pitchFamily="34" charset="0"/>
+                <a:ea typeface="Arial" pitchFamily="34" charset="-122"/>
+                <a:cs typeface="Arial" pitchFamily="34" charset="-120"/>
+              </a:rPr>
+              <a:t>Edge function queries elevation data for trail profiles and 3D visualization.</a:t>
+            </a:r>
+            <a:endParaRPr lang="en-US" sz="825" dirty="0"/>
+          </a:p>
+        </p:txBody>
+      </p:sp>
+      <p:sp>
+        <p:nvSpPr>
+          <p:cNvPr id="24" name="Text 22"/>
+          <p:cNvSpPr/>
+          <p:nvPr/>
+        </p:nvSpPr>
+        <p:spPr>
+          <a:xfrm>
+            <a:off x="4648200" y="3293715"/>
+            <a:ext cx="4267200" cy="624632"/>
+          </a:xfrm>
+          <a:prstGeom prst="roundRect">
+            <a:avLst>
+              <a:gd name="adj" fmla="val 9759"/>
+            </a:avLst>
+          </a:prstGeom>
+          <a:solidFill>
+            <a:srgbClr val="1E293B"/>
+          </a:solidFill>
+          <a:ln/>
+        </p:spPr>
+        <p:txBody>
+          <a:bodyPr wrap="square" rtlCol="0" anchor="ctr"/>
+          <a:lstStyle/>
+          <a:p>
+            <a:pPr indent="0" marL="0">
+              <a:buNone/>
+            </a:pPr>
+            <a:endParaRPr lang="en-US" dirty="0"/>
+          </a:p>
+        </p:txBody>
+      </p:sp>
+      <p:sp>
+        <p:nvSpPr>
+          <p:cNvPr id="25" name="Shape 23"/>
+          <p:cNvSpPr/>
+          <p:nvPr/>
+        </p:nvSpPr>
+        <p:spPr>
+          <a:xfrm>
+            <a:off x="4667250" y="3293715"/>
+            <a:ext cx="0" cy="624632"/>
+          </a:xfrm>
+          <a:prstGeom prst="line">
+            <a:avLst/>
+          </a:prstGeom>
+          <a:noFill/>
+          <a:ln w="38100">
+            <a:solidFill>
+              <a:srgbClr val="F97316"/>
+            </a:solidFill>
+            <a:prstDash val="solid"/>
+          </a:ln>
+        </p:spPr>
+      </p:sp>
+      <p:sp>
+        <p:nvSpPr>
+          <p:cNvPr id="26" name="Text 24"/>
+          <p:cNvSpPr/>
+          <p:nvPr/>
+        </p:nvSpPr>
+        <p:spPr>
+          <a:xfrm>
+            <a:off x="4819650" y="3427065"/>
+            <a:ext cx="4041648" cy="173236"/>
+          </a:xfrm>
+          <a:prstGeom prst="rect">
+            <a:avLst/>
+          </a:prstGeom>
+          <a:noFill/>
+          <a:ln/>
+        </p:spPr>
+        <p:txBody>
+          <a:bodyPr wrap="square" lIns="0" tIns="0" rIns="0" bIns="0" rtlCol="0" anchor="t"/>
+          <a:lstStyle/>
+          <a:p>
+            <a:pPr algn="l" indent="0" marL="0">
+              <a:lnSpc>
+                <a:spcPts val="1365"/>
+              </a:lnSpc>
+              <a:buNone/>
+            </a:pPr>
+            <a:r>
+              <a:rPr lang="en-US" sz="975" b="1" dirty="0">
+                <a:solidFill>
+                  <a:srgbClr val="F97316"/>
+                </a:solidFill>
+                <a:latin typeface="Arial" pitchFamily="34" charset="0"/>
+                <a:ea typeface="Arial" pitchFamily="34" charset="-122"/>
+                <a:cs typeface="Arial" pitchFamily="34" charset="-120"/>
+              </a:rPr>
+              <a:t>Geocoding API</a:t>
+            </a:r>
+            <a:endParaRPr lang="en-US" sz="975" dirty="0"/>
+          </a:p>
+        </p:txBody>
+      </p:sp>
+      <p:sp>
+        <p:nvSpPr>
+          <p:cNvPr id="27" name="Text 25"/>
+          <p:cNvSpPr/>
+          <p:nvPr/>
+        </p:nvSpPr>
+        <p:spPr>
+          <a:xfrm>
+            <a:off x="4819650" y="3638401"/>
+            <a:ext cx="4041648" cy="146596"/>
+          </a:xfrm>
+          <a:prstGeom prst="rect">
+            <a:avLst/>
+          </a:prstGeom>
+          <a:noFill/>
+          <a:ln/>
+        </p:spPr>
+        <p:txBody>
+          <a:bodyPr wrap="square" lIns="0" tIns="0" rIns="0" bIns="0" rtlCol="0" anchor="t"/>
+          <a:lstStyle/>
+          <a:p>
+            <a:pPr algn="l" indent="0" marL="0">
+              <a:lnSpc>
+                <a:spcPts val="1155"/>
+              </a:lnSpc>
+              <a:spcBef>
+                <a:spcPts val="300"/>
+              </a:spcBef>
+              <a:buNone/>
+            </a:pPr>
+            <a:r>
+              <a:rPr lang="en-US" sz="825" dirty="0">
+                <a:solidFill>
+                  <a:srgbClr val="94A3B8"/>
+                </a:solidFill>
+                <a:latin typeface="Arial" pitchFamily="34" charset="0"/>
+                <a:ea typeface="Arial" pitchFamily="34" charset="-122"/>
+                <a:cs typeface="Arial" pitchFamily="34" charset="-120"/>
+              </a:rPr>
+              <a:t>Mapbox Geocoding for search. Convert place names to coordinates.</a:t>
+            </a:r>
+            <a:endParaRPr lang="en-US" sz="825" dirty="0"/>
+          </a:p>
+        </p:txBody>
+      </p:sp>
+    </p:spTree>
+  </p:cSld>
+  <p:clrMapOvr>
+    <a:masterClrMapping/>
+  </p:clrMapOvr>
+</p:sld>
+</file>
+
+<file path=ppt/slides/slide19.xml><?xml version="1.0" encoding="utf-8"?>
+<p:sld xmlns:a="http://schemas.openxmlformats.org/drawingml/2006/main" xmlns:r="http://schemas.openxmlformats.org/officeDocument/2006/relationships" xmlns:p="http://schemas.openxmlformats.org/presentationml/2006/main">
+  <p:cSld name="Slide 19">
+    <p:bg>
+      <p:bgPr>
+        <a:solidFill>
+          <a:srgbClr val="0F172A"/>
+        </a:solidFill>
+      </p:bgPr>
+    </p:bg>
+    <p:spTree>
+      <p:nvGrpSpPr>
+        <p:cNvPr id="1" name=""/>
+        <p:cNvGrpSpPr/>
+        <p:nvPr/>
+      </p:nvGrpSpPr>
+      <p:grpSpPr>
+        <a:xfrm>
+          <a:off x="0" y="0"/>
+          <a:ext cx="0" cy="0"/>
+          <a:chOff x="0" y="0"/>
+          <a:chExt cx="0" cy="0"/>
+        </a:xfrm>
+      </p:grpSpPr>
+      <p:sp>
+        <p:nvSpPr>
+          <p:cNvPr id="2" name="Text 0"/>
+          <p:cNvSpPr/>
+          <p:nvPr/>
+        </p:nvSpPr>
+        <p:spPr>
+          <a:xfrm>
+            <a:off x="228600" y="228600"/>
+            <a:ext cx="8860536" cy="159990"/>
+          </a:xfrm>
+          <a:prstGeom prst="rect">
+            <a:avLst/>
+          </a:prstGeom>
+          <a:noFill/>
+          <a:ln/>
+        </p:spPr>
+        <p:txBody>
+          <a:bodyPr wrap="square" lIns="0" tIns="0" rIns="0" bIns="0" rtlCol="0" anchor="t"/>
+          <a:lstStyle/>
+          <a:p>
+            <a:pPr algn="l" indent="0" marL="0">
+              <a:lnSpc>
+                <a:spcPts val="1260"/>
+              </a:lnSpc>
+              <a:spcAft>
+                <a:spcPts val="300"/>
+              </a:spcAft>
+              <a:buNone/>
+            </a:pPr>
+            <a:r>
+              <a:rPr lang="en-US" sz="900" b="1" dirty="0">
+                <a:solidFill>
+                  <a:srgbClr val="14B8A6"/>
+                </a:solidFill>
+                <a:latin typeface="Arial" pitchFamily="34" charset="0"/>
+                <a:ea typeface="Arial" pitchFamily="34" charset="-122"/>
+                <a:cs typeface="Arial" pitchFamily="34" charset="-120"/>
+              </a:rPr>
+              <a:t>07 - MAP LIBRARY</a:t>
+            </a:r>
+            <a:endParaRPr lang="en-US" sz="900" dirty="0"/>
+          </a:p>
+        </p:txBody>
+      </p:sp>
+      <p:sp>
+        <p:nvSpPr>
+          <p:cNvPr id="3" name="Text 1"/>
+          <p:cNvSpPr/>
+          <p:nvPr/>
+        </p:nvSpPr>
+        <p:spPr>
+          <a:xfrm>
+            <a:off x="228600" y="426690"/>
+            <a:ext cx="4439984" cy="342900"/>
+          </a:xfrm>
+          <a:prstGeom prst="rect">
+            <a:avLst/>
+          </a:prstGeom>
+          <a:noFill/>
+          <a:ln/>
+        </p:spPr>
+        <p:txBody>
+          <a:bodyPr wrap="square" lIns="0" tIns="0" rIns="0" bIns="0" rtlCol="0" anchor="t"/>
+          <a:lstStyle/>
+          <a:p>
+            <a:pPr algn="l" indent="0" marL="0">
+              <a:lnSpc>
+                <a:spcPts val="2700"/>
+              </a:lnSpc>
+              <a:buNone/>
+            </a:pPr>
+            <a:r>
+              <a:rPr lang="en-US" sz="2700" b="1" dirty="0">
+                <a:solidFill>
+                  <a:srgbClr val="F1F5F9"/>
+                </a:solidFill>
+                <a:latin typeface="Arial" pitchFamily="34" charset="0"/>
+                <a:ea typeface="Arial" pitchFamily="34" charset="-122"/>
+                <a:cs typeface="Arial" pitchFamily="34" charset="-120"/>
+              </a:rPr>
+              <a:t>Map Data Flow</a:t>
+            </a:r>
+            <a:endParaRPr lang="en-US" sz="2700" dirty="0"/>
+          </a:p>
+        </p:txBody>
+      </p:sp>
+      <p:sp>
+        <p:nvSpPr>
+          <p:cNvPr id="4" name="Text 2"/>
+          <p:cNvSpPr/>
+          <p:nvPr/>
+        </p:nvSpPr>
+        <p:spPr>
+          <a:xfrm>
+            <a:off x="228600" y="1430834"/>
+            <a:ext cx="4745111" cy="186630"/>
+          </a:xfrm>
+          <a:prstGeom prst="rect">
+            <a:avLst/>
+          </a:prstGeom>
+          <a:noFill/>
+          <a:ln/>
+        </p:spPr>
+        <p:txBody>
+          <a:bodyPr wrap="square" lIns="0" tIns="0" rIns="0" bIns="0" rtlCol="0" anchor="t"/>
+          <a:lstStyle/>
+          <a:p>
+            <a:pPr algn="l" indent="0" marL="0">
+              <a:lnSpc>
+                <a:spcPts val="1470"/>
+              </a:lnSpc>
+              <a:spcAft>
+                <a:spcPts val="300"/>
+              </a:spcAft>
+              <a:buNone/>
+            </a:pPr>
+            <a:r>
+              <a:rPr lang="en-US" sz="1050" b="1" dirty="0">
+                <a:solidFill>
+                  <a:srgbClr val="F1F5F9"/>
+                </a:solidFill>
+                <a:latin typeface="Arial" pitchFamily="34" charset="0"/>
+                <a:ea typeface="Arial" pitchFamily="34" charset="-122"/>
+                <a:cs typeface="Arial" pitchFamily="34" charset="-120"/>
+              </a:rPr>
+              <a:t>Request Flow</a:t>
+            </a:r>
+            <a:endParaRPr lang="en-US" sz="1050" dirty="0"/>
+          </a:p>
+        </p:txBody>
+      </p:sp>
+      <p:sp>
+        <p:nvSpPr>
+          <p:cNvPr id="5" name="Text 3"/>
+          <p:cNvSpPr/>
+          <p:nvPr/>
+        </p:nvSpPr>
+        <p:spPr>
+          <a:xfrm>
+            <a:off x="228600" y="1769864"/>
+            <a:ext cx="4652070" cy="573286"/>
+          </a:xfrm>
+          <a:prstGeom prst="roundRect">
+            <a:avLst>
+              <a:gd name="adj" fmla="val 10633"/>
+            </a:avLst>
+          </a:prstGeom>
+          <a:solidFill>
+            <a:srgbClr val="1E293B"/>
+          </a:solidFill>
+          <a:ln/>
+        </p:spPr>
+        <p:txBody>
+          <a:bodyPr wrap="square" rtlCol="0" anchor="ctr"/>
+          <a:lstStyle/>
+          <a:p>
+            <a:pPr indent="0" marL="0">
+              <a:buNone/>
+            </a:pPr>
+            <a:endParaRPr lang="en-US" dirty="0"/>
+          </a:p>
+        </p:txBody>
+      </p:sp>
+      <p:sp>
+        <p:nvSpPr>
+          <p:cNvPr id="6" name="Text 4"/>
+          <p:cNvSpPr/>
+          <p:nvPr/>
+        </p:nvSpPr>
+        <p:spPr>
+          <a:xfrm>
+            <a:off x="342900" y="1884164"/>
+            <a:ext cx="4511939" cy="159990"/>
+          </a:xfrm>
+          <a:prstGeom prst="rect">
+            <a:avLst/>
+          </a:prstGeom>
+          <a:noFill/>
+          <a:ln/>
+        </p:spPr>
+        <p:txBody>
+          <a:bodyPr wrap="square" lIns="0" tIns="0" rIns="0" bIns="0" rtlCol="0" anchor="t"/>
+          <a:lstStyle/>
+          <a:p>
+            <a:pPr algn="l" indent="0" marL="0">
+              <a:lnSpc>
+                <a:spcPts val="1260"/>
+              </a:lnSpc>
+              <a:buNone/>
+            </a:pPr>
+            <a:r>
+              <a:rPr lang="en-US" sz="900" b="1" dirty="0">
+                <a:solidFill>
+                  <a:srgbClr val="14B8A6"/>
+                </a:solidFill>
+                <a:latin typeface="Arial" pitchFamily="34" charset="0"/>
+                <a:ea typeface="Arial" pitchFamily="34" charset="-122"/>
+                <a:cs typeface="Arial" pitchFamily="34" charset="-120"/>
+              </a:rPr>
+              <a:t>1. User pans/zooms map</a:t>
+            </a:r>
+            <a:endParaRPr lang="en-US" sz="900" dirty="0"/>
+          </a:p>
+        </p:txBody>
+      </p:sp>
+      <p:sp>
+        <p:nvSpPr>
+          <p:cNvPr id="7" name="Text 5"/>
+          <p:cNvSpPr/>
+          <p:nvPr/>
+        </p:nvSpPr>
+        <p:spPr>
+          <a:xfrm>
+            <a:off x="342900" y="2082254"/>
+            <a:ext cx="4511939" cy="146596"/>
+          </a:xfrm>
+          <a:prstGeom prst="rect">
+            <a:avLst/>
+          </a:prstGeom>
+          <a:noFill/>
+          <a:ln/>
+        </p:spPr>
+        <p:txBody>
+          <a:bodyPr wrap="square" lIns="0" tIns="0" rIns="0" bIns="0" rtlCol="0" anchor="t"/>
+          <a:lstStyle/>
+          <a:p>
+            <a:pPr algn="l" indent="0" marL="0">
+              <a:lnSpc>
+                <a:spcPts val="1155"/>
+              </a:lnSpc>
+              <a:spcBef>
+                <a:spcPts val="300"/>
+              </a:spcBef>
+              <a:buNone/>
+            </a:pPr>
+            <a:r>
+              <a:rPr lang="en-US" sz="825" dirty="0">
+                <a:solidFill>
+                  <a:srgbClr val="94A3B8"/>
+                </a:solidFill>
+                <a:latin typeface="Arial" pitchFamily="34" charset="0"/>
+                <a:ea typeface="Arial" pitchFamily="34" charset="-122"/>
+                <a:cs typeface="Arial" pitchFamily="34" charset="-120"/>
+              </a:rPr>
+              <a:t>Map emits moveend event with new bounding box</a:t>
+            </a:r>
+            <a:endParaRPr lang="en-US" sz="825" dirty="0"/>
+          </a:p>
+        </p:txBody>
+      </p:sp>
+      <p:sp>
+        <p:nvSpPr>
+          <p:cNvPr id="8" name="Text 6"/>
+          <p:cNvSpPr/>
+          <p:nvPr/>
+        </p:nvSpPr>
+        <p:spPr>
+          <a:xfrm>
+            <a:off x="228600" y="2457450"/>
+            <a:ext cx="4652070" cy="573286"/>
+          </a:xfrm>
+          <a:prstGeom prst="roundRect">
+            <a:avLst>
+              <a:gd name="adj" fmla="val 10633"/>
+            </a:avLst>
+          </a:prstGeom>
+          <a:solidFill>
+            <a:srgbClr val="1E293B"/>
+          </a:solidFill>
+          <a:ln/>
+        </p:spPr>
+        <p:txBody>
+          <a:bodyPr wrap="square" rtlCol="0" anchor="ctr"/>
+          <a:lstStyle/>
+          <a:p>
+            <a:pPr indent="0" marL="0">
+              <a:buNone/>
+            </a:pPr>
+            <a:endParaRPr lang="en-US" dirty="0"/>
+          </a:p>
+        </p:txBody>
+      </p:sp>
+      <p:sp>
+        <p:nvSpPr>
+          <p:cNvPr id="9" name="Text 7"/>
+          <p:cNvSpPr/>
+          <p:nvPr/>
+        </p:nvSpPr>
+        <p:spPr>
+          <a:xfrm>
+            <a:off x="342900" y="2571750"/>
+            <a:ext cx="4511939" cy="159990"/>
+          </a:xfrm>
+          <a:prstGeom prst="rect">
+            <a:avLst/>
+          </a:prstGeom>
+          <a:noFill/>
+          <a:ln/>
+        </p:spPr>
+        <p:txBody>
+          <a:bodyPr wrap="square" lIns="0" tIns="0" rIns="0" bIns="0" rtlCol="0" anchor="t"/>
+          <a:lstStyle/>
+          <a:p>
+            <a:pPr algn="l" indent="0" marL="0">
+              <a:lnSpc>
+                <a:spcPts val="1260"/>
+              </a:lnSpc>
+              <a:buNone/>
+            </a:pPr>
+            <a:r>
+              <a:rPr lang="en-US" sz="900" b="1" dirty="0">
+                <a:solidFill>
+                  <a:srgbClr val="14B8A6"/>
+                </a:solidFill>
+                <a:latin typeface="Arial" pitchFamily="34" charset="0"/>
+                <a:ea typeface="Arial" pitchFamily="34" charset="-122"/>
+                <a:cs typeface="Arial" pitchFamily="34" charset="-120"/>
+              </a:rPr>
+              <a:t>2. Fetch trails in viewport</a:t>
+            </a:r>
+            <a:endParaRPr lang="en-US" sz="900" dirty="0"/>
+          </a:p>
+        </p:txBody>
+      </p:sp>
+      <p:sp>
+        <p:nvSpPr>
+          <p:cNvPr id="10" name="Text 8"/>
+          <p:cNvSpPr/>
+          <p:nvPr/>
+        </p:nvSpPr>
+        <p:spPr>
+          <a:xfrm>
+            <a:off x="342900" y="2769840"/>
+            <a:ext cx="4511939" cy="146596"/>
+          </a:xfrm>
+          <a:prstGeom prst="rect">
+            <a:avLst/>
+          </a:prstGeom>
+          <a:noFill/>
+          <a:ln/>
+        </p:spPr>
+        <p:txBody>
+          <a:bodyPr wrap="square" lIns="0" tIns="0" rIns="0" bIns="0" rtlCol="0" anchor="t"/>
+          <a:lstStyle/>
+          <a:p>
+            <a:pPr algn="l" indent="0" marL="0">
+              <a:lnSpc>
+                <a:spcPts val="1155"/>
+              </a:lnSpc>
+              <a:spcBef>
+                <a:spcPts val="300"/>
+              </a:spcBef>
+              <a:buNone/>
+            </a:pPr>
+            <a:r>
+              <a:rPr lang="en-US" sz="825" dirty="0">
+                <a:solidFill>
+                  <a:srgbClr val="94A3B8"/>
+                </a:solidFill>
+                <a:latin typeface="Arial" pitchFamily="34" charset="0"/>
+                <a:ea typeface="Arial" pitchFamily="34" charset="-122"/>
+                <a:cs typeface="Arial" pitchFamily="34" charset="-120"/>
+              </a:rPr>
+              <a:t>supabase.rpc('trails_in_bounds', { bbox })</a:t>
+            </a:r>
+            <a:endParaRPr lang="en-US" sz="825" dirty="0"/>
+          </a:p>
+        </p:txBody>
+      </p:sp>
+      <p:sp>
+        <p:nvSpPr>
+          <p:cNvPr id="11" name="Text 9"/>
+          <p:cNvSpPr/>
+          <p:nvPr/>
+        </p:nvSpPr>
+        <p:spPr>
+          <a:xfrm>
+            <a:off x="228600" y="3145036"/>
+            <a:ext cx="4652070" cy="573286"/>
+          </a:xfrm>
+          <a:prstGeom prst="roundRect">
+            <a:avLst>
+              <a:gd name="adj" fmla="val 10633"/>
+            </a:avLst>
+          </a:prstGeom>
+          <a:solidFill>
+            <a:srgbClr val="1E293B"/>
+          </a:solidFill>
+          <a:ln/>
+        </p:spPr>
+        <p:txBody>
+          <a:bodyPr wrap="square" rtlCol="0" anchor="ctr"/>
+          <a:lstStyle/>
+          <a:p>
+            <a:pPr indent="0" marL="0">
+              <a:buNone/>
+            </a:pPr>
+            <a:endParaRPr lang="en-US" dirty="0"/>
+          </a:p>
+        </p:txBody>
+      </p:sp>
+      <p:sp>
+        <p:nvSpPr>
+          <p:cNvPr id="12" name="Text 10"/>
+          <p:cNvSpPr/>
+          <p:nvPr/>
+        </p:nvSpPr>
+        <p:spPr>
+          <a:xfrm>
+            <a:off x="342900" y="3259336"/>
+            <a:ext cx="4511939" cy="159990"/>
+          </a:xfrm>
+          <a:prstGeom prst="rect">
+            <a:avLst/>
+          </a:prstGeom>
+          <a:noFill/>
+          <a:ln/>
+        </p:spPr>
+        <p:txBody>
+          <a:bodyPr wrap="square" lIns="0" tIns="0" rIns="0" bIns="0" rtlCol="0" anchor="t"/>
+          <a:lstStyle/>
+          <a:p>
+            <a:pPr algn="l" indent="0" marL="0">
+              <a:lnSpc>
+                <a:spcPts val="1260"/>
+              </a:lnSpc>
+              <a:buNone/>
+            </a:pPr>
+            <a:r>
+              <a:rPr lang="en-US" sz="900" b="1" dirty="0">
+                <a:solidFill>
+                  <a:srgbClr val="F97316"/>
+                </a:solidFill>
+                <a:latin typeface="Arial" pitchFamily="34" charset="0"/>
+                <a:ea typeface="Arial" pitchFamily="34" charset="-122"/>
+                <a:cs typeface="Arial" pitchFamily="34" charset="-120"/>
+              </a:rPr>
+              <a:t>3. PostGIS spatial query</a:t>
+            </a:r>
+            <a:endParaRPr lang="en-US" sz="900" dirty="0"/>
+          </a:p>
+        </p:txBody>
+      </p:sp>
+      <p:sp>
+        <p:nvSpPr>
+          <p:cNvPr id="13" name="Text 11"/>
+          <p:cNvSpPr/>
+          <p:nvPr/>
+        </p:nvSpPr>
+        <p:spPr>
+          <a:xfrm>
+            <a:off x="342900" y="3457426"/>
+            <a:ext cx="4511939" cy="146596"/>
+          </a:xfrm>
+          <a:prstGeom prst="rect">
+            <a:avLst/>
+          </a:prstGeom>
+          <a:noFill/>
+          <a:ln/>
+        </p:spPr>
+        <p:txBody>
+          <a:bodyPr wrap="square" lIns="0" tIns="0" rIns="0" bIns="0" rtlCol="0" anchor="t"/>
+          <a:lstStyle/>
+          <a:p>
+            <a:pPr algn="l" indent="0" marL="0">
+              <a:lnSpc>
+                <a:spcPts val="1155"/>
+              </a:lnSpc>
+              <a:spcBef>
+                <a:spcPts val="300"/>
+              </a:spcBef>
+              <a:buNone/>
+            </a:pPr>
+            <a:r>
+              <a:rPr lang="en-US" sz="825" dirty="0">
+                <a:solidFill>
+                  <a:srgbClr val="94A3B8"/>
+                </a:solidFill>
+                <a:latin typeface="Arial" pitchFamily="34" charset="0"/>
+                <a:ea typeface="Arial" pitchFamily="34" charset="-122"/>
+                <a:cs typeface="Arial" pitchFamily="34" charset="-120"/>
+              </a:rPr>
+              <a:t>ST_Intersects filters trails within bounding box</a:t>
+            </a:r>
+            <a:endParaRPr lang="en-US" sz="825" dirty="0"/>
+          </a:p>
+        </p:txBody>
+      </p:sp>
+      <p:sp>
+        <p:nvSpPr>
+          <p:cNvPr id="14" name="Text 12"/>
+          <p:cNvSpPr/>
+          <p:nvPr/>
+        </p:nvSpPr>
+        <p:spPr>
+          <a:xfrm>
+            <a:off x="228600" y="3832622"/>
+            <a:ext cx="4652070" cy="573286"/>
+          </a:xfrm>
+          <a:prstGeom prst="roundRect">
+            <a:avLst>
+              <a:gd name="adj" fmla="val 10633"/>
+            </a:avLst>
+          </a:prstGeom>
+          <a:solidFill>
+            <a:srgbClr val="1E293B"/>
+          </a:solidFill>
+          <a:ln/>
+        </p:spPr>
+        <p:txBody>
+          <a:bodyPr wrap="square" rtlCol="0" anchor="ctr"/>
+          <a:lstStyle/>
+          <a:p>
+            <a:pPr indent="0" marL="0">
+              <a:buNone/>
+            </a:pPr>
+            <a:endParaRPr lang="en-US" dirty="0"/>
+          </a:p>
+        </p:txBody>
+      </p:sp>
+      <p:sp>
+        <p:nvSpPr>
+          <p:cNvPr id="15" name="Text 13"/>
+          <p:cNvSpPr/>
+          <p:nvPr/>
+        </p:nvSpPr>
+        <p:spPr>
+          <a:xfrm>
+            <a:off x="342900" y="3946922"/>
+            <a:ext cx="4511939" cy="159990"/>
+          </a:xfrm>
+          <a:prstGeom prst="rect">
+            <a:avLst/>
+          </a:prstGeom>
+          <a:noFill/>
+          <a:ln/>
+        </p:spPr>
+        <p:txBody>
+          <a:bodyPr wrap="square" lIns="0" tIns="0" rIns="0" bIns="0" rtlCol="0" anchor="t"/>
+          <a:lstStyle/>
+          <a:p>
+            <a:pPr algn="l" indent="0" marL="0">
+              <a:lnSpc>
+                <a:spcPts val="1260"/>
+              </a:lnSpc>
+              <a:buNone/>
+            </a:pPr>
+            <a:r>
+              <a:rPr lang="en-US" sz="900" b="1" dirty="0">
+                <a:solidFill>
+                  <a:srgbClr val="F97316"/>
+                </a:solidFill>
+                <a:latin typeface="Arial" pitchFamily="34" charset="0"/>
+                <a:ea typeface="Arial" pitchFamily="34" charset="-122"/>
+                <a:cs typeface="Arial" pitchFamily="34" charset="-120"/>
+              </a:rPr>
+              <a:t>4. Render GeoJSON</a:t>
+            </a:r>
+            <a:endParaRPr lang="en-US" sz="900" dirty="0"/>
+          </a:p>
+        </p:txBody>
+      </p:sp>
+      <p:sp>
+        <p:nvSpPr>
+          <p:cNvPr id="16" name="Text 14"/>
+          <p:cNvSpPr/>
+          <p:nvPr/>
+        </p:nvSpPr>
+        <p:spPr>
+          <a:xfrm>
+            <a:off x="342900" y="4145012"/>
+            <a:ext cx="4511939" cy="146596"/>
+          </a:xfrm>
+          <a:prstGeom prst="rect">
+            <a:avLst/>
+          </a:prstGeom>
+          <a:noFill/>
+          <a:ln/>
+        </p:spPr>
+        <p:txBody>
+          <a:bodyPr wrap="square" lIns="0" tIns="0" rIns="0" bIns="0" rtlCol="0" anchor="t"/>
+          <a:lstStyle/>
+          <a:p>
+            <a:pPr algn="l" indent="0" marL="0">
+              <a:lnSpc>
+                <a:spcPts val="1155"/>
+              </a:lnSpc>
+              <a:spcBef>
+                <a:spcPts val="300"/>
+              </a:spcBef>
+              <a:buNone/>
+            </a:pPr>
+            <a:r>
+              <a:rPr lang="en-US" sz="825" dirty="0">
+                <a:solidFill>
+                  <a:srgbClr val="94A3B8"/>
+                </a:solidFill>
+                <a:latin typeface="Arial" pitchFamily="34" charset="0"/>
+                <a:ea typeface="Arial" pitchFamily="34" charset="-122"/>
+                <a:cs typeface="Arial" pitchFamily="34" charset="-120"/>
+              </a:rPr>
+              <a:t>Map source updated, trails rendered as vector lines</a:t>
+            </a:r>
+            <a:endParaRPr lang="en-US" sz="825" dirty="0"/>
+          </a:p>
+        </p:txBody>
+      </p:sp>
+      <p:sp>
+        <p:nvSpPr>
+          <p:cNvPr id="17" name="Text 15"/>
+          <p:cNvSpPr/>
+          <p:nvPr/>
+        </p:nvSpPr>
+        <p:spPr>
+          <a:xfrm>
+            <a:off x="5109270" y="1697682"/>
+            <a:ext cx="3882253" cy="186630"/>
+          </a:xfrm>
+          <a:prstGeom prst="rect">
+            <a:avLst/>
+          </a:prstGeom>
+          <a:noFill/>
+          <a:ln/>
+        </p:spPr>
+        <p:txBody>
+          <a:bodyPr wrap="square" lIns="0" tIns="0" rIns="0" bIns="0" rtlCol="0" anchor="t"/>
+          <a:lstStyle/>
+          <a:p>
+            <a:pPr algn="l" indent="0" marL="0">
+              <a:lnSpc>
+                <a:spcPts val="1470"/>
+              </a:lnSpc>
+              <a:spcAft>
+                <a:spcPts val="300"/>
+              </a:spcAft>
+              <a:buNone/>
+            </a:pPr>
+            <a:r>
+              <a:rPr lang="en-US" sz="1050" b="1" dirty="0">
+                <a:solidFill>
+                  <a:srgbClr val="F1F5F9"/>
+                </a:solidFill>
+                <a:latin typeface="Arial" pitchFamily="34" charset="0"/>
+                <a:ea typeface="Arial" pitchFamily="34" charset="-122"/>
+                <a:cs typeface="Arial" pitchFamily="34" charset="-120"/>
+              </a:rPr>
+              <a:t>Optimization</a:t>
+            </a:r>
+            <a:endParaRPr lang="en-US" sz="1050" dirty="0"/>
+          </a:p>
+        </p:txBody>
+      </p:sp>
+      <p:sp>
+        <p:nvSpPr>
+          <p:cNvPr id="18" name="Text 16"/>
+          <p:cNvSpPr/>
+          <p:nvPr/>
+        </p:nvSpPr>
+        <p:spPr>
+          <a:xfrm>
+            <a:off x="5109270" y="2036713"/>
+            <a:ext cx="3806130" cy="624632"/>
+          </a:xfrm>
+          <a:prstGeom prst="roundRect">
+            <a:avLst>
+              <a:gd name="adj" fmla="val 9759"/>
+            </a:avLst>
+          </a:prstGeom>
+          <a:solidFill>
+            <a:srgbClr val="1E293B"/>
+          </a:solidFill>
+          <a:ln/>
+        </p:spPr>
+        <p:txBody>
+          <a:bodyPr wrap="square" rtlCol="0" anchor="ctr"/>
+          <a:lstStyle/>
+          <a:p>
+            <a:pPr indent="0" marL="0">
+              <a:buNone/>
+            </a:pPr>
+            <a:endParaRPr lang="en-US" dirty="0"/>
+          </a:p>
+        </p:txBody>
+      </p:sp>
+      <p:sp>
+        <p:nvSpPr>
+          <p:cNvPr id="19" name="Text 17"/>
+          <p:cNvSpPr/>
+          <p:nvPr/>
+        </p:nvSpPr>
+        <p:spPr>
+          <a:xfrm>
+            <a:off x="5242620" y="2170063"/>
+            <a:ext cx="3610219" cy="173236"/>
+          </a:xfrm>
+          <a:prstGeom prst="rect">
+            <a:avLst/>
+          </a:prstGeom>
+          <a:noFill/>
+          <a:ln/>
+        </p:spPr>
+        <p:txBody>
+          <a:bodyPr wrap="square" lIns="0" tIns="0" rIns="0" bIns="0" rtlCol="0" anchor="t"/>
+          <a:lstStyle/>
+          <a:p>
+            <a:pPr algn="l" indent="0" marL="0">
+              <a:lnSpc>
+                <a:spcPts val="1365"/>
+              </a:lnSpc>
+              <a:buNone/>
+            </a:pPr>
+            <a:r>
+              <a:rPr lang="en-US" sz="975" b="1" dirty="0">
+                <a:solidFill>
+                  <a:srgbClr val="F1F5F9"/>
+                </a:solidFill>
+                <a:latin typeface="Arial" pitchFamily="34" charset="0"/>
+                <a:ea typeface="Arial" pitchFamily="34" charset="-122"/>
+                <a:cs typeface="Arial" pitchFamily="34" charset="-120"/>
+              </a:rPr>
+              <a:t>Debounced Requests</a:t>
+            </a:r>
+            <a:endParaRPr lang="en-US" sz="975" dirty="0"/>
+          </a:p>
+        </p:txBody>
+      </p:sp>
+      <p:sp>
+        <p:nvSpPr>
+          <p:cNvPr id="20" name="Text 18"/>
+          <p:cNvSpPr/>
+          <p:nvPr/>
+        </p:nvSpPr>
+        <p:spPr>
+          <a:xfrm>
+            <a:off x="5242620" y="2381399"/>
+            <a:ext cx="3610219" cy="146596"/>
+          </a:xfrm>
+          <a:prstGeom prst="rect">
+            <a:avLst/>
+          </a:prstGeom>
+          <a:noFill/>
+          <a:ln/>
+        </p:spPr>
+        <p:txBody>
+          <a:bodyPr wrap="square" lIns="0" tIns="0" rIns="0" bIns="0" rtlCol="0" anchor="t"/>
+          <a:lstStyle/>
+          <a:p>
+            <a:pPr algn="l" indent="0" marL="0">
+              <a:lnSpc>
+                <a:spcPts val="1155"/>
+              </a:lnSpc>
+              <a:spcBef>
+                <a:spcPts val="300"/>
+              </a:spcBef>
+              <a:buNone/>
+            </a:pPr>
+            <a:r>
+              <a:rPr lang="en-US" sz="825" dirty="0">
+                <a:solidFill>
+                  <a:srgbClr val="94A3B8"/>
+                </a:solidFill>
+                <a:latin typeface="Arial" pitchFamily="34" charset="0"/>
+                <a:ea typeface="Arial" pitchFamily="34" charset="-122"/>
+                <a:cs typeface="Arial" pitchFamily="34" charset="-120"/>
+              </a:rPr>
+              <a:t>Wait 300ms after pan/zoom to avoid request spam</a:t>
+            </a:r>
+            <a:endParaRPr lang="en-US" sz="825" dirty="0"/>
+          </a:p>
+        </p:txBody>
+      </p:sp>
+      <p:sp>
+        <p:nvSpPr>
+          <p:cNvPr id="21" name="Text 19"/>
+          <p:cNvSpPr/>
+          <p:nvPr/>
+        </p:nvSpPr>
+        <p:spPr>
+          <a:xfrm>
+            <a:off x="5109270" y="2775645"/>
+            <a:ext cx="3806130" cy="624632"/>
+          </a:xfrm>
+          <a:prstGeom prst="roundRect">
+            <a:avLst>
+              <a:gd name="adj" fmla="val 9759"/>
+            </a:avLst>
+          </a:prstGeom>
+          <a:solidFill>
+            <a:srgbClr val="1E293B"/>
+          </a:solidFill>
+          <a:ln/>
+        </p:spPr>
+        <p:txBody>
+          <a:bodyPr wrap="square" rtlCol="0" anchor="ctr"/>
+          <a:lstStyle/>
+          <a:p>
+            <a:pPr indent="0" marL="0">
+              <a:buNone/>
+            </a:pPr>
+            <a:endParaRPr lang="en-US" dirty="0"/>
+          </a:p>
+        </p:txBody>
+      </p:sp>
+      <p:sp>
+        <p:nvSpPr>
+          <p:cNvPr id="22" name="Text 20"/>
+          <p:cNvSpPr/>
+          <p:nvPr/>
+        </p:nvSpPr>
+        <p:spPr>
+          <a:xfrm>
+            <a:off x="5242620" y="2908995"/>
+            <a:ext cx="3610219" cy="173236"/>
+          </a:xfrm>
+          <a:prstGeom prst="rect">
+            <a:avLst/>
+          </a:prstGeom>
+          <a:noFill/>
+          <a:ln/>
+        </p:spPr>
+        <p:txBody>
+          <a:bodyPr wrap="square" lIns="0" tIns="0" rIns="0" bIns="0" rtlCol="0" anchor="t"/>
+          <a:lstStyle/>
+          <a:p>
+            <a:pPr algn="l" indent="0" marL="0">
+              <a:lnSpc>
+                <a:spcPts val="1365"/>
+              </a:lnSpc>
+              <a:buNone/>
+            </a:pPr>
+            <a:r>
+              <a:rPr lang="en-US" sz="975" b="1" dirty="0">
+                <a:solidFill>
+                  <a:srgbClr val="F1F5F9"/>
+                </a:solidFill>
+                <a:latin typeface="Arial" pitchFamily="34" charset="0"/>
+                <a:ea typeface="Arial" pitchFamily="34" charset="-122"/>
+                <a:cs typeface="Arial" pitchFamily="34" charset="-120"/>
+              </a:rPr>
+              <a:t>Tile-based Caching</a:t>
+            </a:r>
+            <a:endParaRPr lang="en-US" sz="975" dirty="0"/>
+          </a:p>
+        </p:txBody>
+      </p:sp>
+      <p:sp>
+        <p:nvSpPr>
+          <p:cNvPr id="23" name="Text 21"/>
+          <p:cNvSpPr/>
+          <p:nvPr/>
+        </p:nvSpPr>
+        <p:spPr>
+          <a:xfrm>
+            <a:off x="5242620" y="3120330"/>
+            <a:ext cx="3610219" cy="146596"/>
+          </a:xfrm>
+          <a:prstGeom prst="rect">
+            <a:avLst/>
+          </a:prstGeom>
+          <a:noFill/>
+          <a:ln/>
+        </p:spPr>
+        <p:txBody>
+          <a:bodyPr wrap="square" lIns="0" tIns="0" rIns="0" bIns="0" rtlCol="0" anchor="t"/>
+          <a:lstStyle/>
+          <a:p>
+            <a:pPr algn="l" indent="0" marL="0">
+              <a:lnSpc>
+                <a:spcPts val="1155"/>
+              </a:lnSpc>
+              <a:spcBef>
+                <a:spcPts val="300"/>
+              </a:spcBef>
+              <a:buNone/>
+            </a:pPr>
+            <a:r>
+              <a:rPr lang="en-US" sz="825" dirty="0">
+                <a:solidFill>
+                  <a:srgbClr val="94A3B8"/>
+                </a:solidFill>
+                <a:latin typeface="Arial" pitchFamily="34" charset="0"/>
+                <a:ea typeface="Arial" pitchFamily="34" charset="-122"/>
+                <a:cs typeface="Arial" pitchFamily="34" charset="-120"/>
+              </a:rPr>
+              <a:t>Cache trail data by map tile. Reuse on revisit.</a:t>
+            </a:r>
+            <a:endParaRPr lang="en-US" sz="825" dirty="0"/>
+          </a:p>
+        </p:txBody>
+      </p:sp>
+      <p:sp>
+        <p:nvSpPr>
+          <p:cNvPr id="24" name="Text 22"/>
+          <p:cNvSpPr/>
+          <p:nvPr/>
+        </p:nvSpPr>
+        <p:spPr>
+          <a:xfrm>
+            <a:off x="5109270" y="3514576"/>
+            <a:ext cx="3806130" cy="624632"/>
+          </a:xfrm>
+          <a:prstGeom prst="roundRect">
+            <a:avLst>
+              <a:gd name="adj" fmla="val 9759"/>
+            </a:avLst>
+          </a:prstGeom>
+          <a:solidFill>
+            <a:srgbClr val="1E293B"/>
+          </a:solidFill>
+          <a:ln/>
+        </p:spPr>
+        <p:txBody>
+          <a:bodyPr wrap="square" rtlCol="0" anchor="ctr"/>
+          <a:lstStyle/>
+          <a:p>
+            <a:pPr indent="0" marL="0">
+              <a:buNone/>
+            </a:pPr>
+            <a:endParaRPr lang="en-US" dirty="0"/>
+          </a:p>
+        </p:txBody>
+      </p:sp>
+      <p:sp>
+        <p:nvSpPr>
+          <p:cNvPr id="25" name="Text 23"/>
+          <p:cNvSpPr/>
+          <p:nvPr/>
+        </p:nvSpPr>
+        <p:spPr>
+          <a:xfrm>
+            <a:off x="5242620" y="3647926"/>
+            <a:ext cx="3610219" cy="173236"/>
+          </a:xfrm>
+          <a:prstGeom prst="rect">
+            <a:avLst/>
+          </a:prstGeom>
+          <a:noFill/>
+          <a:ln/>
+        </p:spPr>
+        <p:txBody>
+          <a:bodyPr wrap="square" lIns="0" tIns="0" rIns="0" bIns="0" rtlCol="0" anchor="t"/>
+          <a:lstStyle/>
+          <a:p>
+            <a:pPr algn="l" indent="0" marL="0">
+              <a:lnSpc>
+                <a:spcPts val="1365"/>
+              </a:lnSpc>
+              <a:buNone/>
+            </a:pPr>
+            <a:r>
+              <a:rPr lang="en-US" sz="975" b="1" dirty="0">
+                <a:solidFill>
+                  <a:srgbClr val="F1F5F9"/>
+                </a:solidFill>
+                <a:latin typeface="Arial" pitchFamily="34" charset="0"/>
+                <a:ea typeface="Arial" pitchFamily="34" charset="-122"/>
+                <a:cs typeface="Arial" pitchFamily="34" charset="-120"/>
+              </a:rPr>
+              <a:t>Geometry Simplification</a:t>
+            </a:r>
+            <a:endParaRPr lang="en-US" sz="975" dirty="0"/>
+          </a:p>
+        </p:txBody>
+      </p:sp>
+      <p:sp>
+        <p:nvSpPr>
+          <p:cNvPr id="26" name="Text 24"/>
+          <p:cNvSpPr/>
+          <p:nvPr/>
+        </p:nvSpPr>
+        <p:spPr>
+          <a:xfrm>
+            <a:off x="5242620" y="3859262"/>
+            <a:ext cx="3610219" cy="146596"/>
+          </a:xfrm>
+          <a:prstGeom prst="rect">
+            <a:avLst/>
+          </a:prstGeom>
+          <a:noFill/>
+          <a:ln/>
+        </p:spPr>
+        <p:txBody>
+          <a:bodyPr wrap="square" lIns="0" tIns="0" rIns="0" bIns="0" rtlCol="0" anchor="t"/>
+          <a:lstStyle/>
+          <a:p>
+            <a:pPr algn="l" indent="0" marL="0">
+              <a:lnSpc>
+                <a:spcPts val="1155"/>
+              </a:lnSpc>
+              <a:spcBef>
+                <a:spcPts val="300"/>
+              </a:spcBef>
+              <a:buNone/>
+            </a:pPr>
+            <a:r>
+              <a:rPr lang="en-US" sz="825" dirty="0">
+                <a:solidFill>
+                  <a:srgbClr val="94A3B8"/>
+                </a:solidFill>
+                <a:latin typeface="Arial" pitchFamily="34" charset="0"/>
+                <a:ea typeface="Arial" pitchFamily="34" charset="-122"/>
+                <a:cs typeface="Arial" pitchFamily="34" charset="-120"/>
+              </a:rPr>
+              <a:t>Reduce point density at low zoom levels</a:t>
+            </a:r>
+            <a:endParaRPr lang="en-US" sz="825" dirty="0"/>
           </a:p>
         </p:txBody>
       </p:sp>
@@ -9374,6 +13564,1151 @@
 </p:sld>
 </file>
 
+<file path=ppt/slides/slide20.xml><?xml version="1.0" encoding="utf-8"?>
+<p:sld xmlns:a="http://schemas.openxmlformats.org/drawingml/2006/main" xmlns:r="http://schemas.openxmlformats.org/officeDocument/2006/relationships" xmlns:p="http://schemas.openxmlformats.org/presentationml/2006/main">
+  <p:cSld name="Slide 20">
+    <p:bg>
+      <p:bgPr>
+        <a:solidFill>
+          <a:srgbClr val="0F172A"/>
+        </a:solidFill>
+      </p:bgPr>
+    </p:bg>
+    <p:spTree>
+      <p:nvGrpSpPr>
+        <p:cNvPr id="1" name=""/>
+        <p:cNvGrpSpPr/>
+        <p:nvPr/>
+      </p:nvGrpSpPr>
+      <p:grpSpPr>
+        <a:xfrm>
+          <a:off x="0" y="0"/>
+          <a:ext cx="0" cy="0"/>
+          <a:chOff x="0" y="0"/>
+          <a:chExt cx="0" cy="0"/>
+        </a:xfrm>
+      </p:grpSpPr>
+      <p:sp>
+        <p:nvSpPr>
+          <p:cNvPr id="2" name="Text 0"/>
+          <p:cNvSpPr/>
+          <p:nvPr/>
+        </p:nvSpPr>
+        <p:spPr>
+          <a:xfrm>
+            <a:off x="228600" y="228600"/>
+            <a:ext cx="8860536" cy="159990"/>
+          </a:xfrm>
+          <a:prstGeom prst="rect">
+            <a:avLst/>
+          </a:prstGeom>
+          <a:noFill/>
+          <a:ln/>
+        </p:spPr>
+        <p:txBody>
+          <a:bodyPr wrap="square" lIns="0" tIns="0" rIns="0" bIns="0" rtlCol="0" anchor="t"/>
+          <a:lstStyle/>
+          <a:p>
+            <a:pPr algn="l" indent="0" marL="0">
+              <a:lnSpc>
+                <a:spcPts val="1260"/>
+              </a:lnSpc>
+              <a:spcAft>
+                <a:spcPts val="300"/>
+              </a:spcAft>
+              <a:buNone/>
+            </a:pPr>
+            <a:r>
+              <a:rPr lang="en-US" sz="900" b="1" dirty="0">
+                <a:solidFill>
+                  <a:srgbClr val="F97316"/>
+                </a:solidFill>
+                <a:latin typeface="Arial" pitchFamily="34" charset="0"/>
+                <a:ea typeface="Arial" pitchFamily="34" charset="-122"/>
+                <a:cs typeface="Arial" pitchFamily="34" charset="-120"/>
+              </a:rPr>
+              <a:t>07 - MAP LIBRARY</a:t>
+            </a:r>
+            <a:endParaRPr lang="en-US" sz="900" dirty="0"/>
+          </a:p>
+        </p:txBody>
+      </p:sp>
+      <p:sp>
+        <p:nvSpPr>
+          <p:cNvPr id="3" name="Text 1"/>
+          <p:cNvSpPr/>
+          <p:nvPr/>
+        </p:nvSpPr>
+        <p:spPr>
+          <a:xfrm>
+            <a:off x="228600" y="426690"/>
+            <a:ext cx="4439984" cy="342900"/>
+          </a:xfrm>
+          <a:prstGeom prst="rect">
+            <a:avLst/>
+          </a:prstGeom>
+          <a:noFill/>
+          <a:ln/>
+        </p:spPr>
+        <p:txBody>
+          <a:bodyPr wrap="square" lIns="0" tIns="0" rIns="0" bIns="0" rtlCol="0" anchor="t"/>
+          <a:lstStyle/>
+          <a:p>
+            <a:pPr algn="l" indent="0" marL="0">
+              <a:lnSpc>
+                <a:spcPts val="2700"/>
+              </a:lnSpc>
+              <a:buNone/>
+            </a:pPr>
+            <a:r>
+              <a:rPr lang="en-US" sz="2700" b="1" dirty="0">
+                <a:solidFill>
+                  <a:srgbClr val="F1F5F9"/>
+                </a:solidFill>
+                <a:latin typeface="Arial" pitchFamily="34" charset="0"/>
+                <a:ea typeface="Arial" pitchFamily="34" charset="-122"/>
+                <a:cs typeface="Arial" pitchFamily="34" charset="-120"/>
+              </a:rPr>
+              <a:t>Offline Maps (Pro Feature)</a:t>
+            </a:r>
+            <a:endParaRPr lang="en-US" sz="2700" dirty="0"/>
+          </a:p>
+        </p:txBody>
+      </p:sp>
+      <p:sp>
+        <p:nvSpPr>
+          <p:cNvPr id="4" name="Text 2"/>
+          <p:cNvSpPr/>
+          <p:nvPr/>
+        </p:nvSpPr>
+        <p:spPr>
+          <a:xfrm>
+            <a:off x="228600" y="1286768"/>
+            <a:ext cx="4313682" cy="200025"/>
+          </a:xfrm>
+          <a:prstGeom prst="rect">
+            <a:avLst/>
+          </a:prstGeom>
+          <a:noFill/>
+          <a:ln/>
+        </p:spPr>
+        <p:txBody>
+          <a:bodyPr wrap="square" lIns="0" tIns="0" rIns="0" bIns="0" rtlCol="0" anchor="t"/>
+          <a:lstStyle/>
+          <a:p>
+            <a:pPr algn="l" indent="0" marL="0">
+              <a:lnSpc>
+                <a:spcPts val="1575"/>
+              </a:lnSpc>
+              <a:spcAft>
+                <a:spcPts val="600"/>
+              </a:spcAft>
+              <a:buNone/>
+            </a:pPr>
+            <a:r>
+              <a:rPr lang="en-US" sz="1125" b="1" dirty="0">
+                <a:solidFill>
+                  <a:srgbClr val="F1F5F9"/>
+                </a:solidFill>
+                <a:latin typeface="Arial" pitchFamily="34" charset="0"/>
+                <a:ea typeface="Arial" pitchFamily="34" charset="-122"/>
+                <a:cs typeface="Arial" pitchFamily="34" charset="-120"/>
+              </a:rPr>
+              <a:t>How It Works</a:t>
+            </a:r>
+            <a:endParaRPr lang="en-US" sz="1125" dirty="0"/>
+          </a:p>
+        </p:txBody>
+      </p:sp>
+      <p:sp>
+        <p:nvSpPr>
+          <p:cNvPr id="5" name="Text 3"/>
+          <p:cNvSpPr/>
+          <p:nvPr/>
+        </p:nvSpPr>
+        <p:spPr>
+          <a:xfrm>
+            <a:off x="228600" y="1562993"/>
+            <a:ext cx="4313682" cy="396180"/>
+          </a:xfrm>
+          <a:prstGeom prst="rect">
+            <a:avLst/>
+          </a:prstGeom>
+          <a:noFill/>
+          <a:ln/>
+        </p:spPr>
+        <p:txBody>
+          <a:bodyPr wrap="square" lIns="0" tIns="0" rIns="0" bIns="0" rtlCol="0" anchor="t"/>
+          <a:lstStyle/>
+          <a:p>
+            <a:pPr algn="l" indent="0" marL="0">
+              <a:lnSpc>
+                <a:spcPts val="1560"/>
+              </a:lnSpc>
+              <a:buNone/>
+            </a:pPr>
+            <a:r>
+              <a:rPr lang="en-US" sz="975" dirty="0">
+                <a:solidFill>
+                  <a:srgbClr val="94A3B8"/>
+                </a:solidFill>
+                <a:latin typeface="Arial" pitchFamily="34" charset="0"/>
+                <a:ea typeface="Arial" pitchFamily="34" charset="-122"/>
+                <a:cs typeface="Arial" pitchFamily="34" charset="-120"/>
+              </a:rPr>
+              <a:t>Users select a region to download. Map tiles and trail data are stored locally for use without connectivity.</a:t>
+            </a:r>
+            <a:endParaRPr lang="en-US" sz="975" dirty="0"/>
+          </a:p>
+        </p:txBody>
+      </p:sp>
+      <p:sp>
+        <p:nvSpPr>
+          <p:cNvPr id="6" name="Text 4"/>
+          <p:cNvSpPr/>
+          <p:nvPr/>
+        </p:nvSpPr>
+        <p:spPr>
+          <a:xfrm>
+            <a:off x="228600" y="2111573"/>
+            <a:ext cx="4229100" cy="2438400"/>
+          </a:xfrm>
+          <a:prstGeom prst="roundRect">
+            <a:avLst>
+              <a:gd name="adj" fmla="val 2500"/>
+            </a:avLst>
+          </a:prstGeom>
+          <a:solidFill>
+            <a:srgbClr val="1E293B"/>
+          </a:solidFill>
+          <a:ln/>
+        </p:spPr>
+        <p:txBody>
+          <a:bodyPr wrap="square" rtlCol="0" anchor="ctr"/>
+          <a:lstStyle/>
+          <a:p>
+            <a:pPr indent="0" marL="0">
+              <a:buNone/>
+            </a:pPr>
+            <a:endParaRPr lang="en-US" dirty="0"/>
+          </a:p>
+        </p:txBody>
+      </p:sp>
+      <p:sp>
+        <p:nvSpPr>
+          <p:cNvPr id="7" name="Text 5"/>
+          <p:cNvSpPr/>
+          <p:nvPr/>
+        </p:nvSpPr>
+        <p:spPr>
+          <a:xfrm>
+            <a:off x="361950" y="2244923"/>
+            <a:ext cx="4041648" cy="266700"/>
+          </a:xfrm>
+          <a:prstGeom prst="rect">
+            <a:avLst/>
+          </a:prstGeom>
+          <a:noFill/>
+          <a:ln/>
+        </p:spPr>
+        <p:txBody>
+          <a:bodyPr wrap="square" lIns="0" tIns="0" rIns="0" bIns="0" rtlCol="0" anchor="t"/>
+          <a:lstStyle/>
+          <a:p>
+            <a:pPr algn="l" indent="0" marL="0">
+              <a:lnSpc>
+                <a:spcPts val="2100"/>
+              </a:lnSpc>
+              <a:buNone/>
+            </a:pPr>
+            <a:r>
+              <a:rPr lang="en-US" sz="1500" dirty="0">
+                <a:solidFill>
+                  <a:srgbClr val="94A3B8"/>
+                </a:solidFill>
+                <a:latin typeface="Arial" pitchFamily="34" charset="0"/>
+                <a:ea typeface="Arial" pitchFamily="34" charset="-122"/>
+                <a:cs typeface="Arial" pitchFamily="34" charset="-120"/>
+              </a:rPr>
+              <a:t>// Download region</a:t>
+            </a:r>
+            <a:endParaRPr lang="en-US" sz="1500" dirty="0"/>
+          </a:p>
+        </p:txBody>
+      </p:sp>
+      <p:sp>
+        <p:nvSpPr>
+          <p:cNvPr id="8" name="Text 6"/>
+          <p:cNvSpPr/>
+          <p:nvPr/>
+        </p:nvSpPr>
+        <p:spPr>
+          <a:xfrm>
+            <a:off x="361950" y="2511623"/>
+            <a:ext cx="4041648" cy="266700"/>
+          </a:xfrm>
+          <a:prstGeom prst="rect">
+            <a:avLst/>
+          </a:prstGeom>
+          <a:noFill/>
+          <a:ln/>
+        </p:spPr>
+        <p:txBody>
+          <a:bodyPr wrap="square" lIns="0" tIns="0" rIns="0" bIns="0" rtlCol="0" anchor="t"/>
+          <a:lstStyle/>
+          <a:p>
+            <a:pPr algn="l" indent="0" marL="0">
+              <a:lnSpc>
+                <a:spcPts val="2100"/>
+              </a:lnSpc>
+              <a:buNone/>
+            </a:pPr>
+            <a:r>
+              <a:rPr lang="en-US" sz="1500" dirty="0">
+                <a:solidFill>
+                  <a:srgbClr val="F1F5F9"/>
+                </a:solidFill>
+                <a:latin typeface="Arial" pitchFamily="34" charset="0"/>
+                <a:ea typeface="Arial" pitchFamily="34" charset="-122"/>
+                <a:cs typeface="Arial" pitchFamily="34" charset="-120"/>
+              </a:rPr>
+              <a:t>const region = {</a:t>
+            </a:r>
+            <a:endParaRPr lang="en-US" sz="1500" dirty="0"/>
+          </a:p>
+        </p:txBody>
+      </p:sp>
+      <p:sp>
+        <p:nvSpPr>
+          <p:cNvPr id="9" name="Text 7"/>
+          <p:cNvSpPr/>
+          <p:nvPr/>
+        </p:nvSpPr>
+        <p:spPr>
+          <a:xfrm>
+            <a:off x="361950" y="2778323"/>
+            <a:ext cx="4041648" cy="266700"/>
+          </a:xfrm>
+          <a:prstGeom prst="rect">
+            <a:avLst/>
+          </a:prstGeom>
+          <a:noFill/>
+          <a:ln/>
+        </p:spPr>
+        <p:txBody>
+          <a:bodyPr wrap="square" lIns="0" tIns="0" rIns="0" bIns="0" rtlCol="0" anchor="t"/>
+          <a:lstStyle/>
+          <a:p>
+            <a:pPr algn="l" indent="0" marL="0">
+              <a:lnSpc>
+                <a:spcPts val="2100"/>
+              </a:lnSpc>
+              <a:buNone/>
+            </a:pPr>
+            <a:r>
+              <a:rPr lang="en-US" sz="1500" dirty="0">
+                <a:solidFill>
+                  <a:srgbClr val="F1F5F9"/>
+                </a:solidFill>
+                <a:latin typeface="Arial" pitchFamily="34" charset="0"/>
+                <a:ea typeface="Arial" pitchFamily="34" charset="-122"/>
+                <a:cs typeface="Arial" pitchFamily="34" charset="-120"/>
+              </a:rPr>
+              <a:t>bounds: [[lat1, lng1],</a:t>
+            </a:r>
+            <a:endParaRPr lang="en-US" sz="1500" dirty="0"/>
+          </a:p>
+        </p:txBody>
+      </p:sp>
+      <p:sp>
+        <p:nvSpPr>
+          <p:cNvPr id="10" name="Text 8"/>
+          <p:cNvSpPr/>
+          <p:nvPr/>
+        </p:nvSpPr>
+        <p:spPr>
+          <a:xfrm>
+            <a:off x="361950" y="3045023"/>
+            <a:ext cx="4041648" cy="266700"/>
+          </a:xfrm>
+          <a:prstGeom prst="rect">
+            <a:avLst/>
+          </a:prstGeom>
+          <a:noFill/>
+          <a:ln/>
+        </p:spPr>
+        <p:txBody>
+          <a:bodyPr wrap="square" lIns="0" tIns="0" rIns="0" bIns="0" rtlCol="0" anchor="t"/>
+          <a:lstStyle/>
+          <a:p>
+            <a:pPr algn="l" indent="0" marL="0">
+              <a:lnSpc>
+                <a:spcPts val="2100"/>
+              </a:lnSpc>
+              <a:buNone/>
+            </a:pPr>
+            <a:r>
+              <a:rPr lang="en-US" sz="1500" dirty="0">
+                <a:solidFill>
+                  <a:srgbClr val="F1F5F9"/>
+                </a:solidFill>
+                <a:latin typeface="Arial" pitchFamily="34" charset="0"/>
+                <a:ea typeface="Arial" pitchFamily="34" charset="-122"/>
+                <a:cs typeface="Arial" pitchFamily="34" charset="-120"/>
+              </a:rPr>
+              <a:t>[lat2, lng2]],</a:t>
+            </a:r>
+            <a:endParaRPr lang="en-US" sz="1500" dirty="0"/>
+          </a:p>
+        </p:txBody>
+      </p:sp>
+      <p:sp>
+        <p:nvSpPr>
+          <p:cNvPr id="11" name="Text 9"/>
+          <p:cNvSpPr/>
+          <p:nvPr/>
+        </p:nvSpPr>
+        <p:spPr>
+          <a:xfrm>
+            <a:off x="361950" y="3311723"/>
+            <a:ext cx="4041648" cy="266700"/>
+          </a:xfrm>
+          <a:prstGeom prst="rect">
+            <a:avLst/>
+          </a:prstGeom>
+          <a:noFill/>
+          <a:ln/>
+        </p:spPr>
+        <p:txBody>
+          <a:bodyPr wrap="square" lIns="0" tIns="0" rIns="0" bIns="0" rtlCol="0" anchor="t"/>
+          <a:lstStyle/>
+          <a:p>
+            <a:pPr algn="l" indent="0" marL="0">
+              <a:lnSpc>
+                <a:spcPts val="2100"/>
+              </a:lnSpc>
+              <a:buNone/>
+            </a:pPr>
+            <a:r>
+              <a:rPr lang="en-US" sz="1500" dirty="0">
+                <a:solidFill>
+                  <a:srgbClr val="F1F5F9"/>
+                </a:solidFill>
+                <a:latin typeface="Arial" pitchFamily="34" charset="0"/>
+                <a:ea typeface="Arial" pitchFamily="34" charset="-122"/>
+                <a:cs typeface="Arial" pitchFamily="34" charset="-120"/>
+              </a:rPr>
+              <a:t>minZoom: 10,</a:t>
+            </a:r>
+            <a:endParaRPr lang="en-US" sz="1500" dirty="0"/>
+          </a:p>
+        </p:txBody>
+      </p:sp>
+      <p:sp>
+        <p:nvSpPr>
+          <p:cNvPr id="12" name="Text 10"/>
+          <p:cNvSpPr/>
+          <p:nvPr/>
+        </p:nvSpPr>
+        <p:spPr>
+          <a:xfrm>
+            <a:off x="361950" y="3578423"/>
+            <a:ext cx="4041648" cy="266700"/>
+          </a:xfrm>
+          <a:prstGeom prst="rect">
+            <a:avLst/>
+          </a:prstGeom>
+          <a:noFill/>
+          <a:ln/>
+        </p:spPr>
+        <p:txBody>
+          <a:bodyPr wrap="square" lIns="0" tIns="0" rIns="0" bIns="0" rtlCol="0" anchor="t"/>
+          <a:lstStyle/>
+          <a:p>
+            <a:pPr algn="l" indent="0" marL="0">
+              <a:lnSpc>
+                <a:spcPts val="2100"/>
+              </a:lnSpc>
+              <a:buNone/>
+            </a:pPr>
+            <a:r>
+              <a:rPr lang="en-US" sz="1500" dirty="0">
+                <a:solidFill>
+                  <a:srgbClr val="F1F5F9"/>
+                </a:solidFill>
+                <a:latin typeface="Arial" pitchFamily="34" charset="0"/>
+                <a:ea typeface="Arial" pitchFamily="34" charset="-122"/>
+                <a:cs typeface="Arial" pitchFamily="34" charset="-120"/>
+              </a:rPr>
+              <a:t>maxZoom: 16</a:t>
+            </a:r>
+            <a:endParaRPr lang="en-US" sz="1500" dirty="0"/>
+          </a:p>
+        </p:txBody>
+      </p:sp>
+      <p:sp>
+        <p:nvSpPr>
+          <p:cNvPr id="13" name="Text 11"/>
+          <p:cNvSpPr/>
+          <p:nvPr/>
+        </p:nvSpPr>
+        <p:spPr>
+          <a:xfrm>
+            <a:off x="361950" y="3845123"/>
+            <a:ext cx="4041648" cy="266700"/>
+          </a:xfrm>
+          <a:prstGeom prst="rect">
+            <a:avLst/>
+          </a:prstGeom>
+          <a:noFill/>
+          <a:ln/>
+        </p:spPr>
+        <p:txBody>
+          <a:bodyPr wrap="square" lIns="0" tIns="0" rIns="0" bIns="0" rtlCol="0" anchor="t"/>
+          <a:lstStyle/>
+          <a:p>
+            <a:pPr algn="l" indent="0" marL="0">
+              <a:lnSpc>
+                <a:spcPts val="2100"/>
+              </a:lnSpc>
+              <a:buNone/>
+            </a:pPr>
+            <a:r>
+              <a:rPr lang="en-US" sz="1500" dirty="0">
+                <a:solidFill>
+                  <a:srgbClr val="F1F5F9"/>
+                </a:solidFill>
+                <a:latin typeface="Arial" pitchFamily="34" charset="0"/>
+                <a:ea typeface="Arial" pitchFamily="34" charset="-122"/>
+                <a:cs typeface="Arial" pitchFamily="34" charset="-120"/>
+              </a:rPr>
+              <a:t>}</a:t>
+            </a:r>
+            <a:endParaRPr lang="en-US" sz="1500" dirty="0"/>
+          </a:p>
+        </p:txBody>
+      </p:sp>
+      <p:sp>
+        <p:nvSpPr>
+          <p:cNvPr id="14" name="Text 12"/>
+          <p:cNvSpPr/>
+          <p:nvPr/>
+        </p:nvSpPr>
+        <p:spPr>
+          <a:xfrm>
+            <a:off x="361950" y="4149923"/>
+            <a:ext cx="4041648" cy="266700"/>
+          </a:xfrm>
+          <a:prstGeom prst="rect">
+            <a:avLst/>
+          </a:prstGeom>
+          <a:noFill/>
+          <a:ln/>
+        </p:spPr>
+        <p:txBody>
+          <a:bodyPr wrap="square" lIns="0" tIns="0" rIns="0" bIns="0" rtlCol="0" anchor="t"/>
+          <a:lstStyle/>
+          <a:p>
+            <a:pPr algn="l" indent="0" marL="0">
+              <a:lnSpc>
+                <a:spcPts val="2100"/>
+              </a:lnSpc>
+              <a:spcBef>
+                <a:spcPts val="300"/>
+              </a:spcBef>
+              <a:buNone/>
+            </a:pPr>
+            <a:r>
+              <a:rPr lang="en-US" sz="1500" dirty="0">
+                <a:solidFill>
+                  <a:srgbClr val="F1F5F9"/>
+                </a:solidFill>
+                <a:latin typeface="Arial" pitchFamily="34" charset="0"/>
+                <a:ea typeface="Arial" pitchFamily="34" charset="-122"/>
+                <a:cs typeface="Arial" pitchFamily="34" charset="-120"/>
+              </a:rPr>
+              <a:t>await offlineMaps.download(region)</a:t>
+            </a:r>
+            <a:endParaRPr lang="en-US" sz="1500" dirty="0"/>
+          </a:p>
+        </p:txBody>
+      </p:sp>
+      <p:sp>
+        <p:nvSpPr>
+          <p:cNvPr id="15" name="Text 13"/>
+          <p:cNvSpPr/>
+          <p:nvPr/>
+        </p:nvSpPr>
+        <p:spPr>
+          <a:xfrm>
+            <a:off x="4686300" y="1497657"/>
+            <a:ext cx="4229100" cy="624632"/>
+          </a:xfrm>
+          <a:prstGeom prst="roundRect">
+            <a:avLst>
+              <a:gd name="adj" fmla="val 9759"/>
+            </a:avLst>
+          </a:prstGeom>
+          <a:solidFill>
+            <a:srgbClr val="1E293B"/>
+          </a:solidFill>
+          <a:ln/>
+        </p:spPr>
+        <p:txBody>
+          <a:bodyPr wrap="square" rtlCol="0" anchor="ctr"/>
+          <a:lstStyle/>
+          <a:p>
+            <a:pPr indent="0" marL="0">
+              <a:buNone/>
+            </a:pPr>
+            <a:endParaRPr lang="en-US" dirty="0"/>
+          </a:p>
+        </p:txBody>
+      </p:sp>
+      <p:sp>
+        <p:nvSpPr>
+          <p:cNvPr id="16" name="Shape 14"/>
+          <p:cNvSpPr/>
+          <p:nvPr/>
+        </p:nvSpPr>
+        <p:spPr>
+          <a:xfrm>
+            <a:off x="4705350" y="1497657"/>
+            <a:ext cx="0" cy="624632"/>
+          </a:xfrm>
+          <a:prstGeom prst="line">
+            <a:avLst/>
+          </a:prstGeom>
+          <a:noFill/>
+          <a:ln w="38100">
+            <a:solidFill>
+              <a:srgbClr val="14B8A6"/>
+            </a:solidFill>
+            <a:prstDash val="solid"/>
+          </a:ln>
+        </p:spPr>
+      </p:sp>
+      <p:sp>
+        <p:nvSpPr>
+          <p:cNvPr id="17" name="Text 15"/>
+          <p:cNvSpPr/>
+          <p:nvPr/>
+        </p:nvSpPr>
+        <p:spPr>
+          <a:xfrm>
+            <a:off x="4857750" y="1631007"/>
+            <a:ext cx="4002786" cy="173236"/>
+          </a:xfrm>
+          <a:prstGeom prst="rect">
+            <a:avLst/>
+          </a:prstGeom>
+          <a:noFill/>
+          <a:ln/>
+        </p:spPr>
+        <p:txBody>
+          <a:bodyPr wrap="square" lIns="0" tIns="0" rIns="0" bIns="0" rtlCol="0" anchor="t"/>
+          <a:lstStyle/>
+          <a:p>
+            <a:pPr algn="l" indent="0" marL="0">
+              <a:lnSpc>
+                <a:spcPts val="1365"/>
+              </a:lnSpc>
+              <a:buNone/>
+            </a:pPr>
+            <a:r>
+              <a:rPr lang="en-US" sz="975" b="1" dirty="0">
+                <a:solidFill>
+                  <a:srgbClr val="14B8A6"/>
+                </a:solidFill>
+                <a:latin typeface="Arial" pitchFamily="34" charset="0"/>
+                <a:ea typeface="Arial" pitchFamily="34" charset="-122"/>
+                <a:cs typeface="Arial" pitchFamily="34" charset="-120"/>
+              </a:rPr>
+              <a:t>IndexedDB Storage</a:t>
+            </a:r>
+            <a:endParaRPr lang="en-US" sz="975" dirty="0"/>
+          </a:p>
+        </p:txBody>
+      </p:sp>
+      <p:sp>
+        <p:nvSpPr>
+          <p:cNvPr id="18" name="Text 16"/>
+          <p:cNvSpPr/>
+          <p:nvPr/>
+        </p:nvSpPr>
+        <p:spPr>
+          <a:xfrm>
+            <a:off x="4857750" y="1842343"/>
+            <a:ext cx="4002786" cy="146596"/>
+          </a:xfrm>
+          <a:prstGeom prst="rect">
+            <a:avLst/>
+          </a:prstGeom>
+          <a:noFill/>
+          <a:ln/>
+        </p:spPr>
+        <p:txBody>
+          <a:bodyPr wrap="square" lIns="0" tIns="0" rIns="0" bIns="0" rtlCol="0" anchor="t"/>
+          <a:lstStyle/>
+          <a:p>
+            <a:pPr algn="l" indent="0" marL="0">
+              <a:lnSpc>
+                <a:spcPts val="1155"/>
+              </a:lnSpc>
+              <a:spcBef>
+                <a:spcPts val="300"/>
+              </a:spcBef>
+              <a:buNone/>
+            </a:pPr>
+            <a:r>
+              <a:rPr lang="en-US" sz="825" dirty="0">
+                <a:solidFill>
+                  <a:srgbClr val="94A3B8"/>
+                </a:solidFill>
+                <a:latin typeface="Arial" pitchFamily="34" charset="0"/>
+                <a:ea typeface="Arial" pitchFamily="34" charset="-122"/>
+                <a:cs typeface="Arial" pitchFamily="34" charset="-120"/>
+              </a:rPr>
+              <a:t>Map tiles stored in browser IndexedDB. Persists across sessions.</a:t>
+            </a:r>
+            <a:endParaRPr lang="en-US" sz="825" dirty="0"/>
+          </a:p>
+        </p:txBody>
+      </p:sp>
+      <p:sp>
+        <p:nvSpPr>
+          <p:cNvPr id="19" name="Text 17"/>
+          <p:cNvSpPr/>
+          <p:nvPr/>
+        </p:nvSpPr>
+        <p:spPr>
+          <a:xfrm>
+            <a:off x="4686300" y="2236589"/>
+            <a:ext cx="4229100" cy="624632"/>
+          </a:xfrm>
+          <a:prstGeom prst="roundRect">
+            <a:avLst>
+              <a:gd name="adj" fmla="val 9759"/>
+            </a:avLst>
+          </a:prstGeom>
+          <a:solidFill>
+            <a:srgbClr val="1E293B"/>
+          </a:solidFill>
+          <a:ln/>
+        </p:spPr>
+        <p:txBody>
+          <a:bodyPr wrap="square" rtlCol="0" anchor="ctr"/>
+          <a:lstStyle/>
+          <a:p>
+            <a:pPr indent="0" marL="0">
+              <a:buNone/>
+            </a:pPr>
+            <a:endParaRPr lang="en-US" dirty="0"/>
+          </a:p>
+        </p:txBody>
+      </p:sp>
+      <p:sp>
+        <p:nvSpPr>
+          <p:cNvPr id="20" name="Shape 18"/>
+          <p:cNvSpPr/>
+          <p:nvPr/>
+        </p:nvSpPr>
+        <p:spPr>
+          <a:xfrm>
+            <a:off x="4705350" y="2236589"/>
+            <a:ext cx="0" cy="624632"/>
+          </a:xfrm>
+          <a:prstGeom prst="line">
+            <a:avLst/>
+          </a:prstGeom>
+          <a:noFill/>
+          <a:ln w="38100">
+            <a:solidFill>
+              <a:srgbClr val="14B8A6"/>
+            </a:solidFill>
+            <a:prstDash val="solid"/>
+          </a:ln>
+        </p:spPr>
+      </p:sp>
+      <p:sp>
+        <p:nvSpPr>
+          <p:cNvPr id="21" name="Text 19"/>
+          <p:cNvSpPr/>
+          <p:nvPr/>
+        </p:nvSpPr>
+        <p:spPr>
+          <a:xfrm>
+            <a:off x="4857750" y="2369939"/>
+            <a:ext cx="4002786" cy="173236"/>
+          </a:xfrm>
+          <a:prstGeom prst="rect">
+            <a:avLst/>
+          </a:prstGeom>
+          <a:noFill/>
+          <a:ln/>
+        </p:spPr>
+        <p:txBody>
+          <a:bodyPr wrap="square" lIns="0" tIns="0" rIns="0" bIns="0" rtlCol="0" anchor="t"/>
+          <a:lstStyle/>
+          <a:p>
+            <a:pPr algn="l" indent="0" marL="0">
+              <a:lnSpc>
+                <a:spcPts val="1365"/>
+              </a:lnSpc>
+              <a:buNone/>
+            </a:pPr>
+            <a:r>
+              <a:rPr lang="en-US" sz="975" b="1" dirty="0">
+                <a:solidFill>
+                  <a:srgbClr val="14B8A6"/>
+                </a:solidFill>
+                <a:latin typeface="Arial" pitchFamily="34" charset="0"/>
+                <a:ea typeface="Arial" pitchFamily="34" charset="-122"/>
+                <a:cs typeface="Arial" pitchFamily="34" charset="-120"/>
+              </a:rPr>
+              <a:t>Trail Data Bundle</a:t>
+            </a:r>
+            <a:endParaRPr lang="en-US" sz="975" dirty="0"/>
+          </a:p>
+        </p:txBody>
+      </p:sp>
+      <p:sp>
+        <p:nvSpPr>
+          <p:cNvPr id="22" name="Text 20"/>
+          <p:cNvSpPr/>
+          <p:nvPr/>
+        </p:nvSpPr>
+        <p:spPr>
+          <a:xfrm>
+            <a:off x="4857750" y="2581275"/>
+            <a:ext cx="4002786" cy="146596"/>
+          </a:xfrm>
+          <a:prstGeom prst="rect">
+            <a:avLst/>
+          </a:prstGeom>
+          <a:noFill/>
+          <a:ln/>
+        </p:spPr>
+        <p:txBody>
+          <a:bodyPr wrap="square" lIns="0" tIns="0" rIns="0" bIns="0" rtlCol="0" anchor="t"/>
+          <a:lstStyle/>
+          <a:p>
+            <a:pPr algn="l" indent="0" marL="0">
+              <a:lnSpc>
+                <a:spcPts val="1155"/>
+              </a:lnSpc>
+              <a:spcBef>
+                <a:spcPts val="300"/>
+              </a:spcBef>
+              <a:buNone/>
+            </a:pPr>
+            <a:r>
+              <a:rPr lang="en-US" sz="825" dirty="0">
+                <a:solidFill>
+                  <a:srgbClr val="94A3B8"/>
+                </a:solidFill>
+                <a:latin typeface="Arial" pitchFamily="34" charset="0"/>
+                <a:ea typeface="Arial" pitchFamily="34" charset="-122"/>
+                <a:cs typeface="Arial" pitchFamily="34" charset="-120"/>
+              </a:rPr>
+              <a:t>GeoJSON for trails in region downloaded alongside tiles.</a:t>
+            </a:r>
+            <a:endParaRPr lang="en-US" sz="825" dirty="0"/>
+          </a:p>
+        </p:txBody>
+      </p:sp>
+      <p:sp>
+        <p:nvSpPr>
+          <p:cNvPr id="23" name="Text 21"/>
+          <p:cNvSpPr/>
+          <p:nvPr/>
+        </p:nvSpPr>
+        <p:spPr>
+          <a:xfrm>
+            <a:off x="4686300" y="2975521"/>
+            <a:ext cx="4229100" cy="624632"/>
+          </a:xfrm>
+          <a:prstGeom prst="roundRect">
+            <a:avLst>
+              <a:gd name="adj" fmla="val 9759"/>
+            </a:avLst>
+          </a:prstGeom>
+          <a:solidFill>
+            <a:srgbClr val="1E293B"/>
+          </a:solidFill>
+          <a:ln/>
+        </p:spPr>
+        <p:txBody>
+          <a:bodyPr wrap="square" rtlCol="0" anchor="ctr"/>
+          <a:lstStyle/>
+          <a:p>
+            <a:pPr indent="0" marL="0">
+              <a:buNone/>
+            </a:pPr>
+            <a:endParaRPr lang="en-US" dirty="0"/>
+          </a:p>
+        </p:txBody>
+      </p:sp>
+      <p:sp>
+        <p:nvSpPr>
+          <p:cNvPr id="24" name="Shape 22"/>
+          <p:cNvSpPr/>
+          <p:nvPr/>
+        </p:nvSpPr>
+        <p:spPr>
+          <a:xfrm>
+            <a:off x="4705350" y="2975521"/>
+            <a:ext cx="0" cy="624632"/>
+          </a:xfrm>
+          <a:prstGeom prst="line">
+            <a:avLst/>
+          </a:prstGeom>
+          <a:noFill/>
+          <a:ln w="38100">
+            <a:solidFill>
+              <a:srgbClr val="F97316"/>
+            </a:solidFill>
+            <a:prstDash val="solid"/>
+          </a:ln>
+        </p:spPr>
+      </p:sp>
+      <p:sp>
+        <p:nvSpPr>
+          <p:cNvPr id="25" name="Text 23"/>
+          <p:cNvSpPr/>
+          <p:nvPr/>
+        </p:nvSpPr>
+        <p:spPr>
+          <a:xfrm>
+            <a:off x="4857750" y="3108871"/>
+            <a:ext cx="4002786" cy="173236"/>
+          </a:xfrm>
+          <a:prstGeom prst="rect">
+            <a:avLst/>
+          </a:prstGeom>
+          <a:noFill/>
+          <a:ln/>
+        </p:spPr>
+        <p:txBody>
+          <a:bodyPr wrap="square" lIns="0" tIns="0" rIns="0" bIns="0" rtlCol="0" anchor="t"/>
+          <a:lstStyle/>
+          <a:p>
+            <a:pPr algn="l" indent="0" marL="0">
+              <a:lnSpc>
+                <a:spcPts val="1365"/>
+              </a:lnSpc>
+              <a:buNone/>
+            </a:pPr>
+            <a:r>
+              <a:rPr lang="en-US" sz="975" b="1" dirty="0">
+                <a:solidFill>
+                  <a:srgbClr val="F97316"/>
+                </a:solidFill>
+                <a:latin typeface="Arial" pitchFamily="34" charset="0"/>
+                <a:ea typeface="Arial" pitchFamily="34" charset="-122"/>
+                <a:cs typeface="Arial" pitchFamily="34" charset="-120"/>
+              </a:rPr>
+              <a:t>Storage Management</a:t>
+            </a:r>
+            <a:endParaRPr lang="en-US" sz="975" dirty="0"/>
+          </a:p>
+        </p:txBody>
+      </p:sp>
+      <p:sp>
+        <p:nvSpPr>
+          <p:cNvPr id="26" name="Text 24"/>
+          <p:cNvSpPr/>
+          <p:nvPr/>
+        </p:nvSpPr>
+        <p:spPr>
+          <a:xfrm>
+            <a:off x="4857750" y="3320207"/>
+            <a:ext cx="4002786" cy="146596"/>
+          </a:xfrm>
+          <a:prstGeom prst="rect">
+            <a:avLst/>
+          </a:prstGeom>
+          <a:noFill/>
+          <a:ln/>
+        </p:spPr>
+        <p:txBody>
+          <a:bodyPr wrap="square" lIns="0" tIns="0" rIns="0" bIns="0" rtlCol="0" anchor="t"/>
+          <a:lstStyle/>
+          <a:p>
+            <a:pPr algn="l" indent="0" marL="0">
+              <a:lnSpc>
+                <a:spcPts val="1155"/>
+              </a:lnSpc>
+              <a:spcBef>
+                <a:spcPts val="300"/>
+              </a:spcBef>
+              <a:buNone/>
+            </a:pPr>
+            <a:r>
+              <a:rPr lang="en-US" sz="825" dirty="0">
+                <a:solidFill>
+                  <a:srgbClr val="94A3B8"/>
+                </a:solidFill>
+                <a:latin typeface="Arial" pitchFamily="34" charset="0"/>
+                <a:ea typeface="Arial" pitchFamily="34" charset="-122"/>
+                <a:cs typeface="Arial" pitchFamily="34" charset="-120"/>
+              </a:rPr>
+              <a:t>View downloaded regions, storage used, delete old downloads.</a:t>
+            </a:r>
+            <a:endParaRPr lang="en-US" sz="825" dirty="0"/>
+          </a:p>
+        </p:txBody>
+      </p:sp>
+      <p:sp>
+        <p:nvSpPr>
+          <p:cNvPr id="27" name="Text 25"/>
+          <p:cNvSpPr/>
+          <p:nvPr/>
+        </p:nvSpPr>
+        <p:spPr>
+          <a:xfrm>
+            <a:off x="4686300" y="3714452"/>
+            <a:ext cx="4229100" cy="624632"/>
+          </a:xfrm>
+          <a:prstGeom prst="roundRect">
+            <a:avLst>
+              <a:gd name="adj" fmla="val 9759"/>
+            </a:avLst>
+          </a:prstGeom>
+          <a:solidFill>
+            <a:srgbClr val="1E293B"/>
+          </a:solidFill>
+          <a:ln/>
+        </p:spPr>
+        <p:txBody>
+          <a:bodyPr wrap="square" rtlCol="0" anchor="ctr"/>
+          <a:lstStyle/>
+          <a:p>
+            <a:pPr indent="0" marL="0">
+              <a:buNone/>
+            </a:pPr>
+            <a:endParaRPr lang="en-US" dirty="0"/>
+          </a:p>
+        </p:txBody>
+      </p:sp>
+      <p:sp>
+        <p:nvSpPr>
+          <p:cNvPr id="28" name="Shape 26"/>
+          <p:cNvSpPr/>
+          <p:nvPr/>
+        </p:nvSpPr>
+        <p:spPr>
+          <a:xfrm>
+            <a:off x="4705350" y="3714452"/>
+            <a:ext cx="0" cy="624632"/>
+          </a:xfrm>
+          <a:prstGeom prst="line">
+            <a:avLst/>
+          </a:prstGeom>
+          <a:noFill/>
+          <a:ln w="38100">
+            <a:solidFill>
+              <a:srgbClr val="F97316"/>
+            </a:solidFill>
+            <a:prstDash val="solid"/>
+          </a:ln>
+        </p:spPr>
+      </p:sp>
+      <p:sp>
+        <p:nvSpPr>
+          <p:cNvPr id="29" name="Text 27"/>
+          <p:cNvSpPr/>
+          <p:nvPr/>
+        </p:nvSpPr>
+        <p:spPr>
+          <a:xfrm>
+            <a:off x="4857750" y="3847802"/>
+            <a:ext cx="4002786" cy="173236"/>
+          </a:xfrm>
+          <a:prstGeom prst="rect">
+            <a:avLst/>
+          </a:prstGeom>
+          <a:noFill/>
+          <a:ln/>
+        </p:spPr>
+        <p:txBody>
+          <a:bodyPr wrap="square" lIns="0" tIns="0" rIns="0" bIns="0" rtlCol="0" anchor="t"/>
+          <a:lstStyle/>
+          <a:p>
+            <a:pPr algn="l" indent="0" marL="0">
+              <a:lnSpc>
+                <a:spcPts val="1365"/>
+              </a:lnSpc>
+              <a:buNone/>
+            </a:pPr>
+            <a:r>
+              <a:rPr lang="en-US" sz="975" b="1" dirty="0">
+                <a:solidFill>
+                  <a:srgbClr val="F97316"/>
+                </a:solidFill>
+                <a:latin typeface="Arial" pitchFamily="34" charset="0"/>
+                <a:ea typeface="Arial" pitchFamily="34" charset="-122"/>
+                <a:cs typeface="Arial" pitchFamily="34" charset="-120"/>
+              </a:rPr>
+              <a:t>Sync on Reconnect</a:t>
+            </a:r>
+            <a:endParaRPr lang="en-US" sz="975" dirty="0"/>
+          </a:p>
+        </p:txBody>
+      </p:sp>
+      <p:sp>
+        <p:nvSpPr>
+          <p:cNvPr id="30" name="Text 28"/>
+          <p:cNvSpPr/>
+          <p:nvPr/>
+        </p:nvSpPr>
+        <p:spPr>
+          <a:xfrm>
+            <a:off x="4857750" y="4059138"/>
+            <a:ext cx="4002786" cy="146596"/>
+          </a:xfrm>
+          <a:prstGeom prst="rect">
+            <a:avLst/>
+          </a:prstGeom>
+          <a:noFill/>
+          <a:ln/>
+        </p:spPr>
+        <p:txBody>
+          <a:bodyPr wrap="square" lIns="0" tIns="0" rIns="0" bIns="0" rtlCol="0" anchor="t"/>
+          <a:lstStyle/>
+          <a:p>
+            <a:pPr algn="l" indent="0" marL="0">
+              <a:lnSpc>
+                <a:spcPts val="1155"/>
+              </a:lnSpc>
+              <a:spcBef>
+                <a:spcPts val="300"/>
+              </a:spcBef>
+              <a:buNone/>
+            </a:pPr>
+            <a:r>
+              <a:rPr lang="en-US" sz="825" dirty="0">
+                <a:solidFill>
+                  <a:srgbClr val="94A3B8"/>
+                </a:solidFill>
+                <a:latin typeface="Arial" pitchFamily="34" charset="0"/>
+                <a:ea typeface="Arial" pitchFamily="34" charset="-122"/>
+                <a:cs typeface="Arial" pitchFamily="34" charset="-120"/>
+              </a:rPr>
+              <a:t>Upload recorded activities when back online.</a:t>
+            </a:r>
+            <a:endParaRPr lang="en-US" sz="825" dirty="0"/>
+          </a:p>
+        </p:txBody>
+      </p:sp>
+    </p:spTree>
+  </p:cSld>
+  <p:clrMapOvr>
+    <a:masterClrMapping/>
+  </p:clrMapOvr>
+</p:sld>
+</file>
+
 <file path=ppt/slides/slide3.xml><?xml version="1.0" encoding="utf-8"?>
 <p:sld xmlns:a="http://schemas.openxmlformats.org/drawingml/2006/main" xmlns:r="http://schemas.openxmlformats.org/officeDocument/2006/relationships" xmlns:p="http://schemas.openxmlformats.org/presentationml/2006/main">
   <p:cSld name="Slide 3">
@@ -12238,7 +17573,7 @@
       </p:sp>
       <p:pic>
         <p:nvPicPr>
-          <p:cNvPr id="4" name="Image 0" descr="/tmp/rasterized-gradient-02c23860.png">    </p:cNvPr>
+          <p:cNvPr id="4" name="Image 0" descr="/tmp/rasterized-gradient-864cb61f.png">    </p:cNvPr>
           <p:cNvPicPr>
             <a:picLocks noChangeAspect="1"/>
           </p:cNvPicPr>
@@ -12470,7 +17805,7 @@
       </p:sp>
       <p:pic>
         <p:nvPicPr>
-          <p:cNvPr id="10" name="Image 1" descr="/tmp/rasterized-gradient-7cf17499.png">    </p:cNvPr>
+          <p:cNvPr id="10" name="Image 1" descr="/tmp/rasterized-gradient-ebc78e5d.png">    </p:cNvPr>
           <p:cNvPicPr>
             <a:picLocks noChangeAspect="1"/>
           </p:cNvPicPr>
@@ -13508,7 +18843,7 @@
       </p:sp>
       <p:pic>
         <p:nvPicPr>
-          <p:cNvPr id="15" name="Image 0" descr="/tmp/rasterized-gradient-0abe1b93.png">    </p:cNvPr>
+          <p:cNvPr id="15" name="Image 0" descr="/tmp/rasterized-gradient-0556d50b.png">    </p:cNvPr>
           <p:cNvPicPr>
             <a:picLocks noChangeAspect="1"/>
           </p:cNvPicPr>
@@ -15963,7 +21298,7 @@
       </p:sp>
       <p:pic>
         <p:nvPicPr>
-          <p:cNvPr id="26" name="Image 0" descr="/tmp/rasterized-gradient-e4993ec2.png">    </p:cNvPr>
+          <p:cNvPr id="26" name="Image 0" descr="/tmp/rasterized-gradient-938dbd90.png">    </p:cNvPr>
           <p:cNvPicPr>
             <a:picLocks noChangeAspect="1"/>
           </p:cNvPicPr>
